--- a/Building Xrm Toolbox Tools/Building XrmToolBox Tools.pptx
+++ b/Building Xrm Toolbox Tools/Building XrmToolBox Tools.pptx
@@ -150,6 +150,30 @@
 
 <file path=ppt/changesInfos/changesInfo1.xml><?xml version="1.0" encoding="utf-8"?>
 <pc:chgInfo xmlns:a="http://schemas.openxmlformats.org/drawingml/2006/main" xmlns:r="http://schemas.openxmlformats.org/officeDocument/2006/relationships" xmlns:ac="http://schemas.microsoft.com/office/drawing/2013/main/command" xmlns:pc="http://schemas.microsoft.com/office/powerpoint/2013/main/command">
+  <pc:docChgLst>
+    <pc:chgData name="James Novak" userId="f3a6bccb-6e67-4a77-8ee1-0e97b3c66a5d" providerId="ADAL" clId="{7EDA6318-07BD-471C-8FFF-AAB82EF1C977}"/>
+    <pc:docChg chg="undo custSel modSld">
+      <pc:chgData name="James Novak" userId="f3a6bccb-6e67-4a77-8ee1-0e97b3c66a5d" providerId="ADAL" clId="{7EDA6318-07BD-471C-8FFF-AAB82EF1C977}" dt="2019-01-29T01:00:08.582" v="85" actId="20577"/>
+      <pc:docMkLst>
+        <pc:docMk/>
+      </pc:docMkLst>
+      <pc:sldChg chg="modSp">
+        <pc:chgData name="James Novak" userId="f3a6bccb-6e67-4a77-8ee1-0e97b3c66a5d" providerId="ADAL" clId="{7EDA6318-07BD-471C-8FFF-AAB82EF1C977}" dt="2019-01-29T01:00:08.582" v="85" actId="20577"/>
+        <pc:sldMkLst>
+          <pc:docMk/>
+          <pc:sldMk cId="2590506655" sldId="316"/>
+        </pc:sldMkLst>
+        <pc:spChg chg="mod">
+          <ac:chgData name="James Novak" userId="f3a6bccb-6e67-4a77-8ee1-0e97b3c66a5d" providerId="ADAL" clId="{7EDA6318-07BD-471C-8FFF-AAB82EF1C977}" dt="2019-01-29T01:00:08.582" v="85" actId="20577"/>
+          <ac:spMkLst>
+            <pc:docMk/>
+            <pc:sldMk cId="2590506655" sldId="316"/>
+            <ac:spMk id="3" creationId="{FC617CE7-167C-413D-BC91-B714EF92A474}"/>
+          </ac:spMkLst>
+        </pc:spChg>
+      </pc:sldChg>
+    </pc:docChg>
+  </pc:docChgLst>
   <pc:docChgLst>
     <pc:chgData name="James Novak" userId="f3a6bccb-6e67-4a77-8ee1-0e97b3c66a5d" providerId="ADAL" clId="{AC7465F6-7886-4DB4-963E-09048F74D63D}"/>
     <pc:docChg chg="custSel modSld">
@@ -6553,7 +6577,7 @@
           <a:p>
             <a:fld id="{59088EAF-6ECA-4616-85EF-35AA19C641F3}" type="datetimeFigureOut">
               <a:rPr lang="en-US"/>
-              <a:t>11/12/2018</a:t>
+              <a:t>1/28/2019</a:t>
             </a:fld>
             <a:endParaRPr dirty="0"/>
           </a:p>
@@ -6718,7 +6742,7 @@
           <a:p>
             <a:fld id="{3ABD2D7A-D230-4F91-BD59-0A39C2703BA8}" type="datetimeFigureOut">
               <a:rPr lang="en-US"/>
-              <a:t>11/12/2018</a:t>
+              <a:t>1/28/2019</a:t>
             </a:fld>
             <a:endParaRPr dirty="0"/>
           </a:p>
@@ -7593,7 +7617,7 @@
           <a:p>
             <a:fld id="{03F41C87-7AD9-4845-A077-840E4A0F3F06}" type="datetimeFigureOut">
               <a:rPr lang="en-US"/>
-              <a:t>11/12/2018</a:t>
+              <a:t>1/28/2019</a:t>
             </a:fld>
             <a:endParaRPr dirty="0"/>
           </a:p>
@@ -7785,7 +7809,7 @@
           <a:p>
             <a:fld id="{03F41C87-7AD9-4845-A077-840E4A0F3F06}" type="datetimeFigureOut">
               <a:rPr lang="en-US"/>
-              <a:t>11/12/2018</a:t>
+              <a:t>1/28/2019</a:t>
             </a:fld>
             <a:endParaRPr dirty="0"/>
           </a:p>
@@ -7974,7 +7998,7 @@
           <a:p>
             <a:fld id="{03F41C87-7AD9-4845-A077-840E4A0F3F06}" type="datetimeFigureOut">
               <a:rPr lang="en-US"/>
-              <a:t>11/12/2018</a:t>
+              <a:t>1/28/2019</a:t>
             </a:fld>
             <a:endParaRPr dirty="0"/>
           </a:p>
@@ -8254,7 +8278,7 @@
           <a:p>
             <a:fld id="{03F41C87-7AD9-4845-A077-840E4A0F3F06}" type="datetimeFigureOut">
               <a:rPr lang="en-US"/>
-              <a:t>11/12/2018</a:t>
+              <a:t>1/28/2019</a:t>
             </a:fld>
             <a:endParaRPr dirty="0"/>
           </a:p>
@@ -8558,7 +8582,7 @@
           <a:p>
             <a:fld id="{03F41C87-7AD9-4845-A077-840E4A0F3F06}" type="datetimeFigureOut">
               <a:rPr lang="en-US"/>
-              <a:t>11/12/2018</a:t>
+              <a:t>1/28/2019</a:t>
             </a:fld>
             <a:endParaRPr dirty="0"/>
           </a:p>
@@ -9014,7 +9038,7 @@
           <a:p>
             <a:fld id="{03F41C87-7AD9-4845-A077-840E4A0F3F06}" type="datetimeFigureOut">
               <a:rPr lang="en-US"/>
-              <a:t>11/12/2018</a:t>
+              <a:t>1/28/2019</a:t>
             </a:fld>
             <a:endParaRPr dirty="0"/>
           </a:p>
@@ -9144,7 +9168,7 @@
           <a:p>
             <a:fld id="{03F41C87-7AD9-4845-A077-840E4A0F3F06}" type="datetimeFigureOut">
               <a:rPr lang="en-US"/>
-              <a:t>11/12/2018</a:t>
+              <a:t>1/28/2019</a:t>
             </a:fld>
             <a:endParaRPr dirty="0"/>
           </a:p>
@@ -9259,7 +9283,7 @@
           <a:p>
             <a:fld id="{03F41C87-7AD9-4845-A077-840E4A0F3F06}" type="datetimeFigureOut">
               <a:rPr lang="en-US"/>
-              <a:t>11/12/2018</a:t>
+              <a:t>1/28/2019</a:t>
             </a:fld>
             <a:endParaRPr dirty="0"/>
           </a:p>
@@ -9581,7 +9605,7 @@
           <a:p>
             <a:fld id="{03F41C87-7AD9-4845-A077-840E4A0F3F06}" type="datetimeFigureOut">
               <a:rPr lang="en-US"/>
-              <a:t>11/12/2018</a:t>
+              <a:t>1/28/2019</a:t>
             </a:fld>
             <a:endParaRPr dirty="0"/>
           </a:p>
@@ -9893,7 +9917,7 @@
             <a:fld id="{03F41C87-7AD9-4845-A077-840E4A0F3F06}" type="datetimeFigureOut">
               <a:rPr lang="en-US"/>
               <a:pPr/>
-              <a:t>11/12/2018</a:t>
+              <a:t>1/28/2019</a:t>
             </a:fld>
             <a:endParaRPr dirty="0"/>
           </a:p>
@@ -10147,7 +10171,7 @@
             <a:fld id="{03F41C87-7AD9-4845-A077-840E4A0F3F06}" type="datetimeFigureOut">
               <a:rPr lang="en-US" smtClean="0"/>
               <a:pPr/>
-              <a:t>11/12/2018</a:t>
+              <a:t>1/28/2019</a:t>
             </a:fld>
             <a:endParaRPr lang="en-US" dirty="0"/>
           </a:p>
@@ -11503,73 +11527,99 @@
           </a:lstStyle>
           <a:p>
             <a:r>
-              <a:rPr lang="en-US" dirty="0"/>
+              <a:rPr lang="en-US" sz="2000" dirty="0"/>
               <a:t>XrmToolBox developer documentation:</a:t>
             </a:r>
           </a:p>
           <a:p>
             <a:pPr lvl="1"/>
             <a:r>
-              <a:rPr lang="en-US" dirty="0">
+              <a:rPr lang="en-US" sz="1800" dirty="0">
                 <a:hlinkClick r:id="rId2"/>
               </a:rPr>
               <a:t>https://www.xrmtoolbox.com/documentation/for-developers/</a:t>
             </a:r>
             <a:r>
-              <a:rPr lang="en-US" dirty="0"/>
+              <a:rPr lang="en-US" sz="1800" dirty="0"/>
               <a:t>   </a:t>
             </a:r>
           </a:p>
           <a:p>
             <a:r>
-              <a:rPr lang="en-US" dirty="0"/>
-              <a:t>Jonas Rapp</a:t>
-            </a:r>
-          </a:p>
-          <a:p>
-            <a:pPr lvl="1"/>
-            <a:r>
-              <a:rPr lang="en-US" dirty="0">
+              <a:rPr lang="en-US" sz="2000" dirty="0"/>
+              <a:t>Jonas Rapp - </a:t>
+            </a:r>
+            <a:r>
+              <a:rPr lang="en-US" sz="1800" dirty="0">
                 <a:hlinkClick r:id="rId3"/>
               </a:rPr>
               <a:t>https://jonasrapp.net/</a:t>
             </a:r>
             <a:r>
-              <a:rPr lang="en-US" dirty="0"/>
+              <a:rPr lang="en-US" sz="1800" dirty="0"/>
               <a:t> </a:t>
             </a:r>
           </a:p>
           <a:p>
             <a:r>
-              <a:rPr lang="en-US" dirty="0"/>
-              <a:t>Daryl LaBar</a:t>
-            </a:r>
-          </a:p>
-          <a:p>
-            <a:pPr lvl="1"/>
-            <a:r>
-              <a:rPr lang="en-US" dirty="0">
+              <a:rPr lang="en-US" sz="2000" dirty="0"/>
+              <a:t>Daryl LaBar - </a:t>
+            </a:r>
+            <a:r>
+              <a:rPr lang="en-US" sz="1800" dirty="0">
                 <a:hlinkClick r:id="rId4"/>
               </a:rPr>
               <a:t>http://dotnetdust.blogspot.com/</a:t>
             </a:r>
-            <a:endParaRPr lang="en-US" dirty="0"/>
-          </a:p>
-          <a:p>
-            <a:r>
-              <a:rPr lang="en-US" dirty="0"/>
-              <a:t>FutureZ Blog</a:t>
+            <a:endParaRPr lang="en-US" sz="1800" dirty="0"/>
+          </a:p>
+          <a:p>
+            <a:r>
+              <a:rPr lang="en-US" sz="2000" dirty="0"/>
+              <a:t>FutureZ Blog -</a:t>
             </a:r>
           </a:p>
           <a:p>
             <a:pPr lvl="1"/>
             <a:r>
-              <a:rPr lang="en-US" dirty="0">
+              <a:rPr lang="en-US" sz="1800" dirty="0">
                 <a:hlinkClick r:id="rId5"/>
               </a:rPr>
-              <a:t>https://www.futurezconsulting.com</a:t>
-            </a:r>
-            <a:endParaRPr lang="en-US" dirty="0"/>
+              <a:t>https://futurezconsulting.com/2018/12/05/building-xrmtoolbox-tools/</a:t>
+            </a:r>
+            <a:endParaRPr lang="en-US" sz="1800" dirty="0"/>
+          </a:p>
+          <a:p>
+            <a:pPr lvl="1"/>
+            <a:r>
+              <a:rPr lang="en-US" sz="1800" dirty="0">
+                <a:hlinkClick r:id="rId6"/>
+              </a:rPr>
+              <a:t>https://futurezconsulting.com/2019/01/22/building-xrmtoolbox-tools-part-2/</a:t>
+            </a:r>
+            <a:r>
+              <a:rPr lang="en-US" sz="1800" dirty="0"/>
+              <a:t> </a:t>
+            </a:r>
+          </a:p>
+          <a:p>
+            <a:r>
+              <a:rPr lang="en-US" sz="2000" dirty="0"/>
+              <a:t>Our Demo Project</a:t>
+            </a:r>
+          </a:p>
+          <a:p>
+            <a:pPr lvl="1"/>
+            <a:r>
+              <a:rPr lang="en-US" sz="1800" dirty="0">
+                <a:hlinkClick r:id="rId7"/>
+              </a:rPr>
+              <a:t>https://github.com/jamesnovak/365SaturdayPresentations/tree/master/Building%20Xrm%20Toolbox%20Tools/Sample%20Code</a:t>
+            </a:r>
+            <a:r>
+              <a:rPr lang="en-US" sz="1800" dirty="0"/>
+              <a:t> </a:t>
+            </a:r>
           </a:p>
         </p:txBody>
       </p:sp>

--- a/Building Xrm Toolbox Tools/Building XrmToolBox Tools.pptx
+++ b/Building Xrm Toolbox Tools/Building XrmToolBox Tools.pptx
@@ -5,31 +5,32 @@
     <p:sldMasterId id="2147483648" r:id="rId1"/>
   </p:sldMasterIdLst>
   <p:notesMasterIdLst>
-    <p:notesMasterId r:id="rId16"/>
+    <p:notesMasterId r:id="rId17"/>
   </p:notesMasterIdLst>
   <p:handoutMasterIdLst>
-    <p:handoutMasterId r:id="rId17"/>
+    <p:handoutMasterId r:id="rId18"/>
   </p:handoutMasterIdLst>
   <p:sldIdLst>
     <p:sldId id="265" r:id="rId2"/>
-    <p:sldId id="314" r:id="rId3"/>
-    <p:sldId id="320" r:id="rId4"/>
-    <p:sldId id="310" r:id="rId5"/>
-    <p:sldId id="326" r:id="rId6"/>
-    <p:sldId id="327" r:id="rId7"/>
-    <p:sldId id="328" r:id="rId8"/>
-    <p:sldId id="325" r:id="rId9"/>
-    <p:sldId id="323" r:id="rId10"/>
-    <p:sldId id="331" r:id="rId11"/>
-    <p:sldId id="333" r:id="rId12"/>
-    <p:sldId id="324" r:id="rId13"/>
-    <p:sldId id="329" r:id="rId14"/>
-    <p:sldId id="316" r:id="rId15"/>
+    <p:sldId id="334" r:id="rId3"/>
+    <p:sldId id="314" r:id="rId4"/>
+    <p:sldId id="320" r:id="rId5"/>
+    <p:sldId id="310" r:id="rId6"/>
+    <p:sldId id="326" r:id="rId7"/>
+    <p:sldId id="327" r:id="rId8"/>
+    <p:sldId id="328" r:id="rId9"/>
+    <p:sldId id="325" r:id="rId10"/>
+    <p:sldId id="323" r:id="rId11"/>
+    <p:sldId id="331" r:id="rId12"/>
+    <p:sldId id="333" r:id="rId13"/>
+    <p:sldId id="324" r:id="rId14"/>
+    <p:sldId id="329" r:id="rId15"/>
+    <p:sldId id="316" r:id="rId16"/>
   </p:sldIdLst>
   <p:sldSz cx="12188825" cy="6858000"/>
   <p:notesSz cx="6858000" cy="9144000"/>
   <p:custDataLst>
-    <p:tags r:id="rId18"/>
+    <p:tags r:id="rId19"/>
   </p:custDataLst>
   <p:defaultTextStyle>
     <a:defPPr>
@@ -150,30 +151,6 @@
 
 <file path=ppt/changesInfos/changesInfo1.xml><?xml version="1.0" encoding="utf-8"?>
 <pc:chgInfo xmlns:a="http://schemas.openxmlformats.org/drawingml/2006/main" xmlns:r="http://schemas.openxmlformats.org/officeDocument/2006/relationships" xmlns:ac="http://schemas.microsoft.com/office/drawing/2013/main/command" xmlns:pc="http://schemas.microsoft.com/office/powerpoint/2013/main/command">
-  <pc:docChgLst>
-    <pc:chgData name="James Novak" userId="f3a6bccb-6e67-4a77-8ee1-0e97b3c66a5d" providerId="ADAL" clId="{7EDA6318-07BD-471C-8FFF-AAB82EF1C977}"/>
-    <pc:docChg chg="undo custSel modSld">
-      <pc:chgData name="James Novak" userId="f3a6bccb-6e67-4a77-8ee1-0e97b3c66a5d" providerId="ADAL" clId="{7EDA6318-07BD-471C-8FFF-AAB82EF1C977}" dt="2019-01-29T01:00:08.582" v="85" actId="20577"/>
-      <pc:docMkLst>
-        <pc:docMk/>
-      </pc:docMkLst>
-      <pc:sldChg chg="modSp">
-        <pc:chgData name="James Novak" userId="f3a6bccb-6e67-4a77-8ee1-0e97b3c66a5d" providerId="ADAL" clId="{7EDA6318-07BD-471C-8FFF-AAB82EF1C977}" dt="2019-01-29T01:00:08.582" v="85" actId="20577"/>
-        <pc:sldMkLst>
-          <pc:docMk/>
-          <pc:sldMk cId="2590506655" sldId="316"/>
-        </pc:sldMkLst>
-        <pc:spChg chg="mod">
-          <ac:chgData name="James Novak" userId="f3a6bccb-6e67-4a77-8ee1-0e97b3c66a5d" providerId="ADAL" clId="{7EDA6318-07BD-471C-8FFF-AAB82EF1C977}" dt="2019-01-29T01:00:08.582" v="85" actId="20577"/>
-          <ac:spMkLst>
-            <pc:docMk/>
-            <pc:sldMk cId="2590506655" sldId="316"/>
-            <ac:spMk id="3" creationId="{FC617CE7-167C-413D-BC91-B714EF92A474}"/>
-          </ac:spMkLst>
-        </pc:spChg>
-      </pc:sldChg>
-    </pc:docChg>
-  </pc:docChgLst>
   <pc:docChgLst>
     <pc:chgData name="James Novak" userId="f3a6bccb-6e67-4a77-8ee1-0e97b3c66a5d" providerId="ADAL" clId="{AC7465F6-7886-4DB4-963E-09048F74D63D}"/>
     <pc:docChg chg="custSel modSld">
@@ -315,6 +292,30 @@
             <pc:docMk/>
             <pc:sldMk cId="2430684217" sldId="324"/>
             <ac:spMk id="2" creationId="{0805044C-E202-462D-8D22-504DE21F5EFA}"/>
+          </ac:spMkLst>
+        </pc:spChg>
+      </pc:sldChg>
+    </pc:docChg>
+  </pc:docChgLst>
+  <pc:docChgLst>
+    <pc:chgData name="James Novak" userId="f3a6bccb-6e67-4a77-8ee1-0e97b3c66a5d" providerId="ADAL" clId="{7EDA6318-07BD-471C-8FFF-AAB82EF1C977}"/>
+    <pc:docChg chg="undo custSel modSld">
+      <pc:chgData name="James Novak" userId="f3a6bccb-6e67-4a77-8ee1-0e97b3c66a5d" providerId="ADAL" clId="{7EDA6318-07BD-471C-8FFF-AAB82EF1C977}" dt="2019-01-29T01:00:08.582" v="85" actId="20577"/>
+      <pc:docMkLst>
+        <pc:docMk/>
+      </pc:docMkLst>
+      <pc:sldChg chg="modSp">
+        <pc:chgData name="James Novak" userId="f3a6bccb-6e67-4a77-8ee1-0e97b3c66a5d" providerId="ADAL" clId="{7EDA6318-07BD-471C-8FFF-AAB82EF1C977}" dt="2019-01-29T01:00:08.582" v="85" actId="20577"/>
+        <pc:sldMkLst>
+          <pc:docMk/>
+          <pc:sldMk cId="2590506655" sldId="316"/>
+        </pc:sldMkLst>
+        <pc:spChg chg="mod">
+          <ac:chgData name="James Novak" userId="f3a6bccb-6e67-4a77-8ee1-0e97b3c66a5d" providerId="ADAL" clId="{7EDA6318-07BD-471C-8FFF-AAB82EF1C977}" dt="2019-01-29T01:00:08.582" v="85" actId="20577"/>
+          <ac:spMkLst>
+            <pc:docMk/>
+            <pc:sldMk cId="2590506655" sldId="316"/>
+            <ac:spMk id="3" creationId="{FC617CE7-167C-413D-BC91-B714EF92A474}"/>
           </ac:spMkLst>
         </pc:spChg>
       </pc:sldChg>
@@ -1308,12 +1309,8 @@
         <a:lstStyle/>
         <a:p>
           <a:r>
-            <a:rPr lang="en-US" dirty="0" err="1"/>
-            <a:t>PluginControl</a:t>
-          </a:r>
-          <a:r>
             <a:rPr lang="en-US" dirty="0"/>
-            <a:t> Base</a:t>
+            <a:t>PluginControl Base</a:t>
           </a:r>
         </a:p>
       </dgm:t>
@@ -1500,8 +1497,8 @@
       </dsp:nvSpPr>
       <dsp:spPr>
         <a:xfrm>
-          <a:off x="2400300" y="1866899"/>
-          <a:ext cx="1600200" cy="1600200"/>
+          <a:off x="2004060" y="1813560"/>
+          <a:ext cx="1554480" cy="1554480"/>
         </a:xfrm>
         <a:prstGeom prst="roundRect">
           <a:avLst/>
@@ -1561,18 +1558,14 @@
             <a:buNone/>
           </a:pPr>
           <a:r>
-            <a:rPr lang="en-US" sz="1800" kern="1200" dirty="0" err="1"/>
-            <a:t>PluginControl</a:t>
-          </a:r>
-          <a:r>
             <a:rPr lang="en-US" sz="1800" kern="1200" dirty="0"/>
-            <a:t> Base</a:t>
+            <a:t>PluginControl Base</a:t>
           </a:r>
         </a:p>
       </dsp:txBody>
       <dsp:txXfrm>
-        <a:off x="2478415" y="1945014"/>
-        <a:ext cx="1443970" cy="1443970"/>
+        <a:off x="2079943" y="1889443"/>
+        <a:ext cx="1402714" cy="1402714"/>
       </dsp:txXfrm>
     </dsp:sp>
     <dsp:sp modelId="{BFD5C7B0-0908-4E09-AB8B-6F173121BB72}">
@@ -1582,8 +1575,8 @@
       </dsp:nvSpPr>
       <dsp:spPr>
         <a:xfrm rot="16200000">
-          <a:off x="2803246" y="1469746"/>
-          <a:ext cx="794307" cy="0"/>
+          <a:off x="2395493" y="1427753"/>
+          <a:ext cx="771613" cy="0"/>
         </a:xfrm>
         <a:custGeom>
           <a:avLst/>
@@ -1597,7 +1590,7 @@
                 <a:pt x="0" y="0"/>
               </a:moveTo>
               <a:lnTo>
-                <a:pt x="794307" y="0"/>
+                <a:pt x="771613" y="0"/>
               </a:lnTo>
             </a:path>
           </a:pathLst>
@@ -1638,8 +1631,8 @@
       </dsp:nvSpPr>
       <dsp:spPr>
         <a:xfrm>
-          <a:off x="2664333" y="458"/>
-          <a:ext cx="1072134" cy="1072134"/>
+          <a:off x="2260549" y="445"/>
+          <a:ext cx="1041501" cy="1041501"/>
         </a:xfrm>
         <a:prstGeom prst="roundRect">
           <a:avLst/>
@@ -1681,12 +1674,12 @@
         </a:fontRef>
       </dsp:style>
       <dsp:txBody>
-        <a:bodyPr spcFirstLastPara="0" vert="horz" wrap="square" lIns="55880" tIns="55880" rIns="55880" bIns="55880" numCol="1" spcCol="1270" anchor="ctr" anchorCtr="0">
+        <a:bodyPr spcFirstLastPara="0" vert="horz" wrap="square" lIns="53340" tIns="53340" rIns="53340" bIns="53340" numCol="1" spcCol="1270" anchor="ctr" anchorCtr="0">
           <a:noAutofit/>
         </a:bodyPr>
         <a:lstStyle/>
         <a:p>
-          <a:pPr marL="0" lvl="0" indent="0" algn="ctr" defTabSz="977900">
+          <a:pPr marL="0" lvl="0" indent="0" algn="ctr" defTabSz="933450">
             <a:lnSpc>
               <a:spcPct val="90000"/>
             </a:lnSpc>
@@ -1699,14 +1692,14 @@
             <a:buNone/>
           </a:pPr>
           <a:r>
-            <a:rPr lang="en-US" sz="2200" kern="1200" dirty="0"/>
+            <a:rPr lang="en-US" sz="2100" kern="1200" dirty="0"/>
             <a:t>Service</a:t>
           </a:r>
         </a:p>
       </dsp:txBody>
       <dsp:txXfrm>
-        <a:off x="2716670" y="52795"/>
-        <a:ext cx="967460" cy="967460"/>
+        <a:off x="2311391" y="51287"/>
+        <a:ext cx="939817" cy="939817"/>
       </dsp:txXfrm>
     </dsp:sp>
     <dsp:sp modelId="{9F9A3187-E4A7-4FC9-8B7A-736460D4304F}">
@@ -1716,8 +1709,8 @@
       </dsp:nvSpPr>
       <dsp:spPr>
         <a:xfrm rot="19800000">
-          <a:off x="3961138" y="2058161"/>
-          <a:ext cx="587601" cy="0"/>
+          <a:off x="3520302" y="1999356"/>
+          <a:ext cx="570813" cy="0"/>
         </a:xfrm>
         <a:custGeom>
           <a:avLst/>
@@ -1731,7 +1724,7 @@
                 <a:pt x="0" y="0"/>
               </a:moveTo>
               <a:lnTo>
-                <a:pt x="587601" y="0"/>
+                <a:pt x="570813" y="0"/>
               </a:lnTo>
             </a:path>
           </a:pathLst>
@@ -1772,8 +1765,8 @@
       </dsp:nvSpPr>
       <dsp:spPr>
         <a:xfrm>
-          <a:off x="4509378" y="1065695"/>
-          <a:ext cx="1072134" cy="1072134"/>
+          <a:off x="4052878" y="1035247"/>
+          <a:ext cx="1041501" cy="1041501"/>
         </a:xfrm>
         <a:prstGeom prst="roundRect">
           <a:avLst/>
@@ -1839,8 +1832,8 @@
         </a:p>
       </dsp:txBody>
       <dsp:txXfrm>
-        <a:off x="4561715" y="1118032"/>
-        <a:ext cx="967460" cy="967460"/>
+        <a:off x="4103720" y="1086089"/>
+        <a:ext cx="939817" cy="939817"/>
       </dsp:txXfrm>
     </dsp:sp>
     <dsp:sp modelId="{CE7975BC-8F92-4209-9FED-3DA62100A9CF}">
@@ -1850,8 +1843,8 @@
       </dsp:nvSpPr>
       <dsp:spPr>
         <a:xfrm rot="1800000">
-          <a:off x="3961138" y="3275838"/>
-          <a:ext cx="587601" cy="0"/>
+          <a:off x="3520302" y="3182243"/>
+          <a:ext cx="570813" cy="0"/>
         </a:xfrm>
         <a:custGeom>
           <a:avLst/>
@@ -1865,7 +1858,7 @@
                 <a:pt x="0" y="0"/>
               </a:moveTo>
               <a:lnTo>
-                <a:pt x="587601" y="0"/>
+                <a:pt x="570813" y="0"/>
               </a:lnTo>
             </a:path>
           </a:pathLst>
@@ -1906,8 +1899,8 @@
       </dsp:nvSpPr>
       <dsp:spPr>
         <a:xfrm>
-          <a:off x="4509378" y="3196170"/>
-          <a:ext cx="1072134" cy="1072134"/>
+          <a:off x="4052878" y="3104851"/>
+          <a:ext cx="1041501" cy="1041501"/>
         </a:xfrm>
         <a:prstGeom prst="roundRect">
           <a:avLst/>
@@ -1973,8 +1966,8 @@
         </a:p>
       </dsp:txBody>
       <dsp:txXfrm>
-        <a:off x="4561715" y="3248507"/>
-        <a:ext cx="967460" cy="967460"/>
+        <a:off x="4103720" y="3155693"/>
+        <a:ext cx="939817" cy="939817"/>
       </dsp:txXfrm>
     </dsp:sp>
     <dsp:sp modelId="{68DE4A4C-5DA1-4581-91DE-387E646C9533}">
@@ -1984,8 +1977,8 @@
       </dsp:nvSpPr>
       <dsp:spPr>
         <a:xfrm rot="5400000">
-          <a:off x="2803246" y="3864253"/>
-          <a:ext cx="794307" cy="0"/>
+          <a:off x="2395493" y="3753846"/>
+          <a:ext cx="771613" cy="0"/>
         </a:xfrm>
         <a:custGeom>
           <a:avLst/>
@@ -1999,7 +1992,7 @@
                 <a:pt x="0" y="0"/>
               </a:moveTo>
               <a:lnTo>
-                <a:pt x="794307" y="0"/>
+                <a:pt x="771613" y="0"/>
               </a:lnTo>
             </a:path>
           </a:pathLst>
@@ -2040,8 +2033,8 @@
       </dsp:nvSpPr>
       <dsp:spPr>
         <a:xfrm>
-          <a:off x="2664333" y="4261407"/>
-          <a:ext cx="1072134" cy="1072134"/>
+          <a:off x="2260549" y="4139653"/>
+          <a:ext cx="1041501" cy="1041501"/>
         </a:xfrm>
         <a:prstGeom prst="roundRect">
           <a:avLst/>
@@ -2107,8 +2100,8 @@
         </a:p>
       </dsp:txBody>
       <dsp:txXfrm>
-        <a:off x="2716670" y="4313744"/>
-        <a:ext cx="967460" cy="967460"/>
+        <a:off x="2311391" y="4190495"/>
+        <a:ext cx="939817" cy="939817"/>
       </dsp:txXfrm>
     </dsp:sp>
     <dsp:sp modelId="{5226A86D-0D0B-4AB2-BF53-09D75CC8BCB7}">
@@ -2118,8 +2111,8 @@
       </dsp:nvSpPr>
       <dsp:spPr>
         <a:xfrm rot="9000000">
-          <a:off x="1852060" y="3275838"/>
-          <a:ext cx="587601" cy="0"/>
+          <a:off x="1471484" y="3182243"/>
+          <a:ext cx="570813" cy="0"/>
         </a:xfrm>
         <a:custGeom>
           <a:avLst/>
@@ -2133,7 +2126,7 @@
                 <a:pt x="0" y="0"/>
               </a:moveTo>
               <a:lnTo>
-                <a:pt x="587601" y="0"/>
+                <a:pt x="570813" y="0"/>
               </a:lnTo>
             </a:path>
           </a:pathLst>
@@ -2174,8 +2167,8 @@
       </dsp:nvSpPr>
       <dsp:spPr>
         <a:xfrm>
-          <a:off x="819287" y="3196170"/>
-          <a:ext cx="1072134" cy="1072134"/>
+          <a:off x="468219" y="3104851"/>
+          <a:ext cx="1041501" cy="1041501"/>
         </a:xfrm>
         <a:prstGeom prst="roundRect">
           <a:avLst/>
@@ -2217,12 +2210,12 @@
         </a:fontRef>
       </dsp:style>
       <dsp:txBody>
-        <a:bodyPr spcFirstLastPara="0" vert="horz" wrap="square" lIns="50800" tIns="50800" rIns="50800" bIns="50800" numCol="1" spcCol="1270" anchor="ctr" anchorCtr="0">
+        <a:bodyPr spcFirstLastPara="0" vert="horz" wrap="square" lIns="48260" tIns="48260" rIns="48260" bIns="48260" numCol="1" spcCol="1270" anchor="ctr" anchorCtr="0">
           <a:noAutofit/>
         </a:bodyPr>
         <a:lstStyle/>
         <a:p>
-          <a:pPr marL="0" lvl="0" indent="0" algn="ctr" defTabSz="889000">
+          <a:pPr marL="0" lvl="0" indent="0" algn="ctr" defTabSz="844550">
             <a:lnSpc>
               <a:spcPct val="90000"/>
             </a:lnSpc>
@@ -2235,14 +2228,14 @@
             <a:buNone/>
           </a:pPr>
           <a:r>
-            <a:rPr lang="en-US" sz="2000" kern="1200" dirty="0"/>
+            <a:rPr lang="en-US" sz="1900" kern="1200" dirty="0"/>
             <a:t>Logging</a:t>
           </a:r>
         </a:p>
       </dsp:txBody>
       <dsp:txXfrm>
-        <a:off x="871624" y="3248507"/>
-        <a:ext cx="967460" cy="967460"/>
+        <a:off x="519061" y="3155693"/>
+        <a:ext cx="939817" cy="939817"/>
       </dsp:txXfrm>
     </dsp:sp>
     <dsp:sp modelId="{522A65FB-5BB4-4223-804A-95C4C335BDF9}">
@@ -2252,8 +2245,8 @@
       </dsp:nvSpPr>
       <dsp:spPr>
         <a:xfrm rot="12600000">
-          <a:off x="1852060" y="2058161"/>
-          <a:ext cx="587601" cy="0"/>
+          <a:off x="1471484" y="1999356"/>
+          <a:ext cx="570813" cy="0"/>
         </a:xfrm>
         <a:custGeom>
           <a:avLst/>
@@ -2267,7 +2260,7 @@
                 <a:pt x="0" y="0"/>
               </a:moveTo>
               <a:lnTo>
-                <a:pt x="587601" y="0"/>
+                <a:pt x="570813" y="0"/>
               </a:lnTo>
             </a:path>
           </a:pathLst>
@@ -2308,8 +2301,8 @@
       </dsp:nvSpPr>
       <dsp:spPr>
         <a:xfrm>
-          <a:off x="819287" y="1065695"/>
-          <a:ext cx="1072134" cy="1072134"/>
+          <a:off x="468219" y="1035247"/>
+          <a:ext cx="1041501" cy="1041501"/>
         </a:xfrm>
         <a:prstGeom prst="roundRect">
           <a:avLst/>
@@ -2351,12 +2344,12 @@
         </a:fontRef>
       </dsp:style>
       <dsp:txBody>
-        <a:bodyPr spcFirstLastPara="0" vert="horz" wrap="square" lIns="33020" tIns="33020" rIns="33020" bIns="33020" numCol="1" spcCol="1270" anchor="ctr" anchorCtr="0">
+        <a:bodyPr spcFirstLastPara="0" vert="horz" wrap="square" lIns="30480" tIns="30480" rIns="30480" bIns="30480" numCol="1" spcCol="1270" anchor="ctr" anchorCtr="0">
           <a:noAutofit/>
         </a:bodyPr>
         <a:lstStyle/>
         <a:p>
-          <a:pPr marL="0" lvl="0" indent="0" algn="ctr" defTabSz="577850">
+          <a:pPr marL="0" lvl="0" indent="0" algn="ctr" defTabSz="533400">
             <a:lnSpc>
               <a:spcPct val="90000"/>
             </a:lnSpc>
@@ -2369,14 +2362,14 @@
             <a:buNone/>
           </a:pPr>
           <a:r>
-            <a:rPr lang="en-US" sz="1300" kern="1200" dirty="0"/>
+            <a:rPr lang="en-US" sz="1200" kern="1200" dirty="0"/>
             <a:t>Notifications</a:t>
           </a:r>
         </a:p>
       </dsp:txBody>
       <dsp:txXfrm>
-        <a:off x="871624" y="1118032"/>
-        <a:ext cx="967460" cy="967460"/>
+        <a:off x="519061" y="1086089"/>
+        <a:ext cx="939817" cy="939817"/>
       </dsp:txXfrm>
     </dsp:sp>
   </dsp:spTree>
@@ -6577,7 +6570,7 @@
           <a:p>
             <a:fld id="{59088EAF-6ECA-4616-85EF-35AA19C641F3}" type="datetimeFigureOut">
               <a:rPr lang="en-US"/>
-              <a:t>1/28/2019</a:t>
+              <a:t>2/25/2020</a:t>
             </a:fld>
             <a:endParaRPr dirty="0"/>
           </a:p>
@@ -6742,7 +6735,7 @@
           <a:p>
             <a:fld id="{3ABD2D7A-D230-4F91-BD59-0A39C2703BA8}" type="datetimeFigureOut">
               <a:rPr lang="en-US"/>
-              <a:t>1/28/2019</a:t>
+              <a:t>2/25/2020</a:t>
             </a:fld>
             <a:endParaRPr dirty="0"/>
           </a:p>
@@ -7050,21 +7043,268 @@
           <a:p>
             <a:r>
               <a:rPr lang="en-US" dirty="0"/>
+              <a:t>Open source?  I was able to contribute to this!</a:t>
+            </a:r>
+          </a:p>
+        </p:txBody>
+      </p:sp>
+      <p:sp>
+        <p:nvSpPr>
+          <p:cNvPr id="4" name="Slide Number Placeholder 3"/>
+          <p:cNvSpPr>
+            <a:spLocks noGrp="1"/>
+          </p:cNvSpPr>
+          <p:nvPr>
+            <p:ph type="sldNum" sz="quarter" idx="5"/>
+          </p:nvPr>
+        </p:nvSpPr>
+        <p:spPr/>
+        <p:txBody>
+          <a:bodyPr/>
+          <a:lstStyle/>
+          <a:p>
+            <a:fld id="{F93199CD-3E1B-4AE6-990F-76F925F5EA9F}" type="slidenum">
+              <a:rPr lang="en-US" smtClean="0"/>
+              <a:t>6</a:t>
+            </a:fld>
+            <a:endParaRPr lang="en-US" dirty="0"/>
+          </a:p>
+        </p:txBody>
+      </p:sp>
+    </p:spTree>
+    <p:extLst>
+      <p:ext uri="{BB962C8B-B14F-4D97-AF65-F5344CB8AC3E}">
+        <p14:creationId xmlns:p14="http://schemas.microsoft.com/office/powerpoint/2010/main" val="3229659597"/>
+      </p:ext>
+    </p:extLst>
+  </p:cSld>
+  <p:clrMapOvr>
+    <a:masterClrMapping/>
+  </p:clrMapOvr>
+</p:notes>
+</file>
+
+<file path=ppt/notesSlides/notesSlide2.xml><?xml version="1.0" encoding="utf-8"?>
+<p:notes xmlns:a="http://schemas.openxmlformats.org/drawingml/2006/main" xmlns:r="http://schemas.openxmlformats.org/officeDocument/2006/relationships" xmlns:p="http://schemas.openxmlformats.org/presentationml/2006/main">
+  <p:cSld>
+    <p:spTree>
+      <p:nvGrpSpPr>
+        <p:cNvPr id="1" name=""/>
+        <p:cNvGrpSpPr/>
+        <p:nvPr/>
+      </p:nvGrpSpPr>
+      <p:grpSpPr>
+        <a:xfrm>
+          <a:off x="0" y="0"/>
+          <a:ext cx="0" cy="0"/>
+          <a:chOff x="0" y="0"/>
+          <a:chExt cx="0" cy="0"/>
+        </a:xfrm>
+      </p:grpSpPr>
+      <p:sp>
+        <p:nvSpPr>
+          <p:cNvPr id="2" name="Slide Image Placeholder 1"/>
+          <p:cNvSpPr>
+            <a:spLocks noGrp="1" noRot="1" noChangeAspect="1"/>
+          </p:cNvSpPr>
+          <p:nvPr>
+            <p:ph type="sldImg"/>
+          </p:nvPr>
+        </p:nvSpPr>
+        <p:spPr/>
+      </p:sp>
+      <p:sp>
+        <p:nvSpPr>
+          <p:cNvPr id="3" name="Notes Placeholder 2"/>
+          <p:cNvSpPr>
+            <a:spLocks noGrp="1"/>
+          </p:cNvSpPr>
+          <p:nvPr>
+            <p:ph type="body" idx="1"/>
+          </p:nvPr>
+        </p:nvSpPr>
+        <p:spPr/>
+        <p:txBody>
+          <a:bodyPr/>
+          <a:lstStyle/>
+          <a:p>
+            <a:endParaRPr lang="en-US" dirty="0"/>
+          </a:p>
+        </p:txBody>
+      </p:sp>
+      <p:sp>
+        <p:nvSpPr>
+          <p:cNvPr id="4" name="Slide Number Placeholder 3"/>
+          <p:cNvSpPr>
+            <a:spLocks noGrp="1"/>
+          </p:cNvSpPr>
+          <p:nvPr>
+            <p:ph type="sldNum" sz="quarter" idx="5"/>
+          </p:nvPr>
+        </p:nvSpPr>
+        <p:spPr/>
+        <p:txBody>
+          <a:bodyPr/>
+          <a:lstStyle/>
+          <a:p>
+            <a:fld id="{F93199CD-3E1B-4AE6-990F-76F925F5EA9F}" type="slidenum">
+              <a:rPr lang="en-US" smtClean="0"/>
+              <a:t>7</a:t>
+            </a:fld>
+            <a:endParaRPr lang="en-US" dirty="0"/>
+          </a:p>
+        </p:txBody>
+      </p:sp>
+    </p:spTree>
+    <p:extLst>
+      <p:ext uri="{BB962C8B-B14F-4D97-AF65-F5344CB8AC3E}">
+        <p14:creationId xmlns:p14="http://schemas.microsoft.com/office/powerpoint/2010/main" val="2827830932"/>
+      </p:ext>
+    </p:extLst>
+  </p:cSld>
+  <p:clrMapOvr>
+    <a:masterClrMapping/>
+  </p:clrMapOvr>
+</p:notes>
+</file>
+
+<file path=ppt/notesSlides/notesSlide3.xml><?xml version="1.0" encoding="utf-8"?>
+<p:notes xmlns:a="http://schemas.openxmlformats.org/drawingml/2006/main" xmlns:r="http://schemas.openxmlformats.org/officeDocument/2006/relationships" xmlns:p="http://schemas.openxmlformats.org/presentationml/2006/main">
+  <p:cSld>
+    <p:spTree>
+      <p:nvGrpSpPr>
+        <p:cNvPr id="1" name=""/>
+        <p:cNvGrpSpPr/>
+        <p:nvPr/>
+      </p:nvGrpSpPr>
+      <p:grpSpPr>
+        <a:xfrm>
+          <a:off x="0" y="0"/>
+          <a:ext cx="0" cy="0"/>
+          <a:chOff x="0" y="0"/>
+          <a:chExt cx="0" cy="0"/>
+        </a:xfrm>
+      </p:grpSpPr>
+      <p:sp>
+        <p:nvSpPr>
+          <p:cNvPr id="2" name="Slide Image Placeholder 1"/>
+          <p:cNvSpPr>
+            <a:spLocks noGrp="1" noRot="1" noChangeAspect="1"/>
+          </p:cNvSpPr>
+          <p:nvPr>
+            <p:ph type="sldImg"/>
+          </p:nvPr>
+        </p:nvSpPr>
+        <p:spPr/>
+      </p:sp>
+      <p:sp>
+        <p:nvSpPr>
+          <p:cNvPr id="3" name="Notes Placeholder 2"/>
+          <p:cNvSpPr>
+            <a:spLocks noGrp="1"/>
+          </p:cNvSpPr>
+          <p:nvPr>
+            <p:ph type="body" idx="1"/>
+          </p:nvPr>
+        </p:nvSpPr>
+        <p:spPr/>
+        <p:txBody>
+          <a:bodyPr/>
+          <a:lstStyle/>
+          <a:p>
+            <a:endParaRPr lang="en-US"/>
+          </a:p>
+        </p:txBody>
+      </p:sp>
+      <p:sp>
+        <p:nvSpPr>
+          <p:cNvPr id="4" name="Slide Number Placeholder 3"/>
+          <p:cNvSpPr>
+            <a:spLocks noGrp="1"/>
+          </p:cNvSpPr>
+          <p:nvPr>
+            <p:ph type="sldNum" sz="quarter" idx="5"/>
+          </p:nvPr>
+        </p:nvSpPr>
+        <p:spPr/>
+        <p:txBody>
+          <a:bodyPr/>
+          <a:lstStyle/>
+          <a:p>
+            <a:fld id="{F93199CD-3E1B-4AE6-990F-76F925F5EA9F}" type="slidenum">
+              <a:rPr lang="en-US" smtClean="0"/>
+              <a:t>13</a:t>
+            </a:fld>
+            <a:endParaRPr lang="en-US" dirty="0"/>
+          </a:p>
+        </p:txBody>
+      </p:sp>
+    </p:spTree>
+    <p:extLst>
+      <p:ext uri="{BB962C8B-B14F-4D97-AF65-F5344CB8AC3E}">
+        <p14:creationId xmlns:p14="http://schemas.microsoft.com/office/powerpoint/2010/main" val="2912437093"/>
+      </p:ext>
+    </p:extLst>
+  </p:cSld>
+  <p:clrMapOvr>
+    <a:masterClrMapping/>
+  </p:clrMapOvr>
+</p:notes>
+</file>
+
+<file path=ppt/notesSlides/notesSlide4.xml><?xml version="1.0" encoding="utf-8"?>
+<p:notes xmlns:a="http://schemas.openxmlformats.org/drawingml/2006/main" xmlns:r="http://schemas.openxmlformats.org/officeDocument/2006/relationships" xmlns:p="http://schemas.openxmlformats.org/presentationml/2006/main">
+  <p:cSld>
+    <p:spTree>
+      <p:nvGrpSpPr>
+        <p:cNvPr id="1" name=""/>
+        <p:cNvGrpSpPr/>
+        <p:nvPr/>
+      </p:nvGrpSpPr>
+      <p:grpSpPr>
+        <a:xfrm>
+          <a:off x="0" y="0"/>
+          <a:ext cx="0" cy="0"/>
+          <a:chOff x="0" y="0"/>
+          <a:chExt cx="0" cy="0"/>
+        </a:xfrm>
+      </p:grpSpPr>
+      <p:sp>
+        <p:nvSpPr>
+          <p:cNvPr id="2" name="Slide Image Placeholder 1"/>
+          <p:cNvSpPr>
+            <a:spLocks noGrp="1" noRot="1" noChangeAspect="1"/>
+          </p:cNvSpPr>
+          <p:nvPr>
+            <p:ph type="sldImg"/>
+          </p:nvPr>
+        </p:nvSpPr>
+        <p:spPr/>
+      </p:sp>
+      <p:sp>
+        <p:nvSpPr>
+          <p:cNvPr id="3" name="Notes Placeholder 2"/>
+          <p:cNvSpPr>
+            <a:spLocks noGrp="1"/>
+          </p:cNvSpPr>
+          <p:nvPr>
+            <p:ph type="body" idx="1"/>
+          </p:nvPr>
+        </p:nvSpPr>
+        <p:spPr/>
+        <p:txBody>
+          <a:bodyPr/>
+          <a:lstStyle/>
+          <a:p>
+            <a:r>
+              <a:rPr lang="en-US" dirty="0"/>
               <a:t>New Project – Walk through template </a:t>
             </a:r>
           </a:p>
           <a:p>
             <a:r>
               <a:rPr lang="en-US" dirty="0"/>
-              <a:t>New </a:t>
-            </a:r>
-            <a:r>
-              <a:rPr lang="en-US" dirty="0" err="1"/>
-              <a:t>PluginControl</a:t>
-            </a:r>
-            <a:r>
-              <a:rPr lang="en-US" dirty="0"/>
-              <a:t>  </a:t>
+              <a:t>New PluginControl  </a:t>
             </a:r>
           </a:p>
           <a:p>
@@ -7224,13 +7464,8 @@
           <a:p>
             <a:r>
               <a:rPr lang="en-US" dirty="0"/>
-              <a:t>Show cool </a:t>
-            </a:r>
-            <a:r>
-              <a:rPr lang="en-US"/>
-              <a:t>data grid!</a:t>
-            </a:r>
-            <a:endParaRPr lang="en-US" dirty="0"/>
+              <a:t>Show cool data grid!</a:t>
+            </a:r>
           </a:p>
         </p:txBody>
       </p:sp>
@@ -7251,7 +7486,7 @@
           <a:p>
             <a:fld id="{F93199CD-3E1B-4AE6-990F-76F925F5EA9F}" type="slidenum">
               <a:rPr lang="en-US" smtClean="0"/>
-              <a:t>13</a:t>
+              <a:t>14</a:t>
             </a:fld>
             <a:endParaRPr lang="en-US" dirty="0"/>
           </a:p>
@@ -7617,7 +7852,7 @@
           <a:p>
             <a:fld id="{03F41C87-7AD9-4845-A077-840E4A0F3F06}" type="datetimeFigureOut">
               <a:rPr lang="en-US"/>
-              <a:t>1/28/2019</a:t>
+              <a:t>2/25/2020</a:t>
             </a:fld>
             <a:endParaRPr dirty="0"/>
           </a:p>
@@ -7809,7 +8044,7 @@
           <a:p>
             <a:fld id="{03F41C87-7AD9-4845-A077-840E4A0F3F06}" type="datetimeFigureOut">
               <a:rPr lang="en-US"/>
-              <a:t>1/28/2019</a:t>
+              <a:t>2/25/2020</a:t>
             </a:fld>
             <a:endParaRPr dirty="0"/>
           </a:p>
@@ -7998,7 +8233,7 @@
           <a:p>
             <a:fld id="{03F41C87-7AD9-4845-A077-840E4A0F3F06}" type="datetimeFigureOut">
               <a:rPr lang="en-US"/>
-              <a:t>1/28/2019</a:t>
+              <a:t>2/25/2020</a:t>
             </a:fld>
             <a:endParaRPr dirty="0"/>
           </a:p>
@@ -8278,7 +8513,7 @@
           <a:p>
             <a:fld id="{03F41C87-7AD9-4845-A077-840E4A0F3F06}" type="datetimeFigureOut">
               <a:rPr lang="en-US"/>
-              <a:t>1/28/2019</a:t>
+              <a:t>2/25/2020</a:t>
             </a:fld>
             <a:endParaRPr dirty="0"/>
           </a:p>
@@ -8582,7 +8817,7 @@
           <a:p>
             <a:fld id="{03F41C87-7AD9-4845-A077-840E4A0F3F06}" type="datetimeFigureOut">
               <a:rPr lang="en-US"/>
-              <a:t>1/28/2019</a:t>
+              <a:t>2/25/2020</a:t>
             </a:fld>
             <a:endParaRPr dirty="0"/>
           </a:p>
@@ -9038,7 +9273,7 @@
           <a:p>
             <a:fld id="{03F41C87-7AD9-4845-A077-840E4A0F3F06}" type="datetimeFigureOut">
               <a:rPr lang="en-US"/>
-              <a:t>1/28/2019</a:t>
+              <a:t>2/25/2020</a:t>
             </a:fld>
             <a:endParaRPr dirty="0"/>
           </a:p>
@@ -9168,7 +9403,7 @@
           <a:p>
             <a:fld id="{03F41C87-7AD9-4845-A077-840E4A0F3F06}" type="datetimeFigureOut">
               <a:rPr lang="en-US"/>
-              <a:t>1/28/2019</a:t>
+              <a:t>2/25/2020</a:t>
             </a:fld>
             <a:endParaRPr dirty="0"/>
           </a:p>
@@ -9283,7 +9518,7 @@
           <a:p>
             <a:fld id="{03F41C87-7AD9-4845-A077-840E4A0F3F06}" type="datetimeFigureOut">
               <a:rPr lang="en-US"/>
-              <a:t>1/28/2019</a:t>
+              <a:t>2/25/2020</a:t>
             </a:fld>
             <a:endParaRPr dirty="0"/>
           </a:p>
@@ -9605,7 +9840,7 @@
           <a:p>
             <a:fld id="{03F41C87-7AD9-4845-A077-840E4A0F3F06}" type="datetimeFigureOut">
               <a:rPr lang="en-US"/>
-              <a:t>1/28/2019</a:t>
+              <a:t>2/25/2020</a:t>
             </a:fld>
             <a:endParaRPr dirty="0"/>
           </a:p>
@@ -9917,7 +10152,7 @@
             <a:fld id="{03F41C87-7AD9-4845-A077-840E4A0F3F06}" type="datetimeFigureOut">
               <a:rPr lang="en-US"/>
               <a:pPr/>
-              <a:t>1/28/2019</a:t>
+              <a:t>2/25/2020</a:t>
             </a:fld>
             <a:endParaRPr dirty="0"/>
           </a:p>
@@ -10171,7 +10406,7 @@
             <a:fld id="{03F41C87-7AD9-4845-A077-840E4A0F3F06}" type="datetimeFigureOut">
               <a:rPr lang="en-US" smtClean="0"/>
               <a:pPr/>
-              <a:t>1/28/2019</a:t>
+              <a:t>2/25/2020</a:t>
             </a:fld>
             <a:endParaRPr lang="en-US" dirty="0"/>
           </a:p>
@@ -10552,7 +10787,7 @@
       </a:lvl9pPr>
     </p:otherStyle>
   </p:txStyles>
-  <p:extLst mod="1">
+  <p:extLst>
     <p:ext uri="{27BBF7A9-308A-43DC-89C8-2F10F3537804}">
       <p15:sldGuideLst xmlns:p15="http://schemas.microsoft.com/office/powerpoint/2012/main">
         <p15:guide id="1" pos="3839" userDrawn="1">
@@ -10722,7 +10957,7 @@
           <p:cNvPr id="2" name="Title 1">
             <a:extLst>
               <a:ext uri="{FF2B5EF4-FFF2-40B4-BE49-F238E27FC236}">
-                <a16:creationId xmlns:a16="http://schemas.microsoft.com/office/drawing/2014/main" id="{B8122D95-744A-443E-9FB3-68CE3A4967EF}"/>
+                <a16:creationId xmlns:a16="http://schemas.microsoft.com/office/drawing/2014/main" id="{0805044C-E202-462D-8D22-504DE21F5EFA}"/>
               </a:ext>
             </a:extLst>
           </p:cNvPr>
@@ -10740,7 +10975,7 @@
           <a:p>
             <a:r>
               <a:rPr lang="en-US" dirty="0"/>
-              <a:t>Plugin Class</a:t>
+              <a:t>What makes up an XrmToolBox Tool?</a:t>
             </a:r>
           </a:p>
         </p:txBody>
@@ -10750,7 +10985,7 @@
           <p:cNvPr id="3" name="Content Placeholder 2">
             <a:extLst>
               <a:ext uri="{FF2B5EF4-FFF2-40B4-BE49-F238E27FC236}">
-                <a16:creationId xmlns:a16="http://schemas.microsoft.com/office/drawing/2014/main" id="{41801779-449F-4C92-B901-F91754DAA92D}"/>
+                <a16:creationId xmlns:a16="http://schemas.microsoft.com/office/drawing/2014/main" id="{437F485B-D362-49E4-9850-E48170D8EF55}"/>
               </a:ext>
             </a:extLst>
           </p:cNvPr>
@@ -10763,54 +10998,79 @@
         </p:nvSpPr>
         <p:spPr/>
         <p:txBody>
-          <a:bodyPr/>
+          <a:bodyPr>
+            <a:normAutofit fontScale="92500" lnSpcReduction="10000"/>
+          </a:bodyPr>
           <a:lstStyle/>
           <a:p>
             <a:r>
               <a:rPr lang="en-US" dirty="0"/>
-              <a:t>Provide the public details for your XrmToolBox tool</a:t>
+              <a:t>.NET component hosted by the XrmToolBox application that implements a programmatic contract</a:t>
+            </a:r>
+          </a:p>
+          <a:p>
+            <a:r>
+              <a:rPr lang="en-US" dirty="0"/>
+              <a:t>Plugin Class</a:t>
             </a:r>
           </a:p>
           <a:p>
             <a:pPr lvl="1"/>
             <a:r>
               <a:rPr lang="en-US" dirty="0"/>
-              <a:t>Tool Name</a:t>
+              <a:t>.NET class extending the PluginBase class</a:t>
             </a:r>
           </a:p>
           <a:p>
             <a:pPr lvl="1"/>
             <a:r>
               <a:rPr lang="en-US" dirty="0"/>
-              <a:t>Description</a:t>
+              <a:t>Contains the public details behind an XrmToolBox Tool</a:t>
             </a:r>
           </a:p>
           <a:p>
             <a:pPr lvl="1"/>
             <a:r>
               <a:rPr lang="en-US" dirty="0"/>
-              <a:t>Large and Small Icons</a:t>
+              <a:t>XrmToolBox uses this to load the Tool into the application</a:t>
+            </a:r>
+          </a:p>
+          <a:p>
+            <a:r>
+              <a:rPr lang="en-US" dirty="0"/>
+              <a:t>PluginControl Class</a:t>
             </a:r>
           </a:p>
           <a:p>
             <a:pPr lvl="1"/>
             <a:r>
               <a:rPr lang="en-US" dirty="0"/>
-              <a:t>Copyright information </a:t>
-            </a:r>
-          </a:p>
-          <a:p>
+              <a:t>.NET class extending PluginControlBase class</a:t>
+            </a:r>
+          </a:p>
+          <a:p>
+            <a:pPr lvl="1"/>
             <a:r>
               <a:rPr lang="en-US" dirty="0"/>
-              <a:t>Allows the XrmToolBox application to instantiate and present your Tool as a registered plugin</a:t>
-            </a:r>
+              <a:t>Visual / UI elements and core logic for an XrmToolBox Tool</a:t>
+            </a:r>
+          </a:p>
+          <a:p>
+            <a:pPr lvl="1"/>
+            <a:r>
+              <a:rPr lang="en-US" dirty="0"/>
+              <a:t>This is the developer’s area for providing a visual interface for their Tool</a:t>
+            </a:r>
+          </a:p>
+          <a:p>
+            <a:endParaRPr lang="en-US" dirty="0"/>
           </a:p>
         </p:txBody>
       </p:sp>
     </p:spTree>
     <p:extLst>
       <p:ext uri="{BB962C8B-B14F-4D97-AF65-F5344CB8AC3E}">
-        <p14:creationId xmlns:p14="http://schemas.microsoft.com/office/powerpoint/2010/main" val="1661160505"/>
+        <p14:creationId xmlns:p14="http://schemas.microsoft.com/office/powerpoint/2010/main" val="997576708"/>
       </p:ext>
     </p:extLst>
   </p:cSld>
@@ -10851,10 +11111,10 @@
       </p:grpSpPr>
       <p:sp>
         <p:nvSpPr>
-          <p:cNvPr id="4" name="Title 3">
+          <p:cNvPr id="2" name="Title 1">
             <a:extLst>
               <a:ext uri="{FF2B5EF4-FFF2-40B4-BE49-F238E27FC236}">
-                <a16:creationId xmlns:a16="http://schemas.microsoft.com/office/drawing/2014/main" id="{C7FB00DB-D8C2-478A-98C6-88C2B77965BC}"/>
+                <a16:creationId xmlns:a16="http://schemas.microsoft.com/office/drawing/2014/main" id="{B8122D95-744A-443E-9FB3-68CE3A4967EF}"/>
               </a:ext>
             </a:extLst>
           </p:cNvPr>
@@ -10865,29 +11125,24 @@
             <p:ph type="title"/>
           </p:nvPr>
         </p:nvSpPr>
-        <p:spPr>
-          <a:xfrm>
-            <a:off x="1055604" y="1905000"/>
-            <a:ext cx="3596607" cy="2133600"/>
-          </a:xfrm>
-        </p:spPr>
+        <p:spPr/>
         <p:txBody>
           <a:bodyPr/>
           <a:lstStyle/>
           <a:p>
             <a:r>
-              <a:rPr lang="en-US" sz="3200" dirty="0"/>
-              <a:t>PluginControlBase Class</a:t>
+              <a:rPr lang="en-US" dirty="0"/>
+              <a:t>Plugin Class</a:t>
             </a:r>
           </a:p>
         </p:txBody>
       </p:sp>
       <p:sp>
         <p:nvSpPr>
-          <p:cNvPr id="6" name="Text Placeholder 5">
+          <p:cNvPr id="3" name="Content Placeholder 2">
             <a:extLst>
               <a:ext uri="{FF2B5EF4-FFF2-40B4-BE49-F238E27FC236}">
-                <a16:creationId xmlns:a16="http://schemas.microsoft.com/office/drawing/2014/main" id="{C80BB951-D444-46D1-BAC3-9BA5DE7C7C10}"/>
+                <a16:creationId xmlns:a16="http://schemas.microsoft.com/office/drawing/2014/main" id="{41801779-449F-4C92-B901-F91754DAA92D}"/>
               </a:ext>
             </a:extLst>
           </p:cNvPr>
@@ -10895,76 +11150,78 @@
             <a:spLocks noGrp="1"/>
           </p:cNvSpPr>
           <p:nvPr>
-            <p:ph type="body" sz="half" idx="2"/>
+            <p:ph idx="1"/>
           </p:nvPr>
         </p:nvSpPr>
-        <p:spPr>
-          <a:xfrm>
-            <a:off x="1065213" y="4114800"/>
-            <a:ext cx="3809999" cy="1905000"/>
-          </a:xfrm>
-        </p:spPr>
+        <p:spPr/>
         <p:txBody>
           <a:bodyPr>
-            <a:normAutofit/>
+            <a:normAutofit fontScale="85000" lnSpcReduction="20000"/>
           </a:bodyPr>
           <a:lstStyle/>
           <a:p>
             <a:r>
-              <a:rPr lang="en-US" dirty="0"/>
-              <a:t>Existing Properties and Methods provide both utility and a standard model for building Tools</a:t>
-            </a:r>
-          </a:p>
-          <a:p>
-            <a:r>
-              <a:rPr lang="en-US" dirty="0"/>
-              <a:t>Tools that require multiple connections – derive from </a:t>
-            </a:r>
-            <a:r>
-              <a:rPr lang="en-US" i="1" dirty="0"/>
-              <a:t>MultipleConnectionsPluginControlBase</a:t>
-            </a:r>
-          </a:p>
-          <a:p>
-            <a:endParaRPr lang="en-US" dirty="0"/>
+              <a:rPr lang="en-US" sz="3200" dirty="0"/>
+              <a:t>Provide the public details for your XrmToolBox tool</a:t>
+            </a:r>
+          </a:p>
+          <a:p>
+            <a:pPr lvl="1"/>
+            <a:r>
+              <a:rPr lang="en-US" sz="2800" dirty="0"/>
+              <a:t>Tool Name</a:t>
+            </a:r>
+          </a:p>
+          <a:p>
+            <a:pPr lvl="1"/>
+            <a:r>
+              <a:rPr lang="en-US" sz="2800" dirty="0"/>
+              <a:t>Description</a:t>
+            </a:r>
+          </a:p>
+          <a:p>
+            <a:pPr lvl="1"/>
+            <a:r>
+              <a:rPr lang="en-US" sz="2800" dirty="0"/>
+              <a:t>Large and Small Icons</a:t>
+            </a:r>
+          </a:p>
+          <a:p>
+            <a:pPr lvl="1"/>
+            <a:r>
+              <a:rPr lang="en-US" sz="2800" dirty="0"/>
+              <a:t>Copyright information </a:t>
+            </a:r>
+          </a:p>
+          <a:p>
+            <a:r>
+              <a:rPr lang="en-US" sz="3200" dirty="0"/>
+              <a:t>Allows the XrmToolBox application to instantiate and present your Tool as a registered plugin</a:t>
+            </a:r>
+          </a:p>
+          <a:p>
+            <a:r>
+              <a:rPr lang="en-US" sz="3200" dirty="0"/>
+              <a:t>Controls creation of your Tool user interface</a:t>
+            </a:r>
+          </a:p>
+          <a:p>
+            <a:r>
+              <a:rPr lang="en-US" sz="3200" dirty="0"/>
+              <a:t>You will typically derive from a base class, </a:t>
+            </a:r>
+            <a:r>
+              <a:rPr lang="en-US" sz="3200" dirty="0" err="1"/>
+              <a:t>PluginBase</a:t>
+            </a:r>
+            <a:endParaRPr lang="en-US" sz="3200" dirty="0"/>
           </a:p>
         </p:txBody>
       </p:sp>
-      <p:graphicFrame>
-        <p:nvGraphicFramePr>
-          <p:cNvPr id="7" name="Content Placeholder 6">
-            <a:extLst>
-              <a:ext uri="{FF2B5EF4-FFF2-40B4-BE49-F238E27FC236}">
-                <a16:creationId xmlns:a16="http://schemas.microsoft.com/office/drawing/2014/main" id="{00F5FEBB-F442-454D-A542-CF4AE5190180}"/>
-              </a:ext>
-            </a:extLst>
-          </p:cNvPr>
-          <p:cNvGraphicFramePr>
-            <a:graphicFrameLocks noGrp="1"/>
-          </p:cNvGraphicFramePr>
-          <p:nvPr>
-            <p:ph idx="1"/>
-            <p:extLst>
-              <p:ext uri="{D42A27DB-BD31-4B8C-83A1-F6EECF244321}">
-                <p14:modId xmlns:p14="http://schemas.microsoft.com/office/powerpoint/2010/main" val="3603404615"/>
-              </p:ext>
-            </p:extLst>
-          </p:nvPr>
-        </p:nvGraphicFramePr>
-        <p:xfrm>
-          <a:off x="4951413" y="685800"/>
-          <a:ext cx="6400800" cy="5334000"/>
-        </p:xfrm>
-        <a:graphic>
-          <a:graphicData uri="http://schemas.openxmlformats.org/drawingml/2006/diagram">
-            <dgm:relIds xmlns:dgm="http://schemas.openxmlformats.org/drawingml/2006/diagram" xmlns:r="http://schemas.openxmlformats.org/officeDocument/2006/relationships" r:dm="rId2" r:lo="rId3" r:qs="rId4" r:cs="rId5"/>
-          </a:graphicData>
-        </a:graphic>
-      </p:graphicFrame>
     </p:spTree>
     <p:extLst>
       <p:ext uri="{BB962C8B-B14F-4D97-AF65-F5344CB8AC3E}">
-        <p14:creationId xmlns:p14="http://schemas.microsoft.com/office/powerpoint/2010/main" val="1563008445"/>
+        <p14:creationId xmlns:p14="http://schemas.microsoft.com/office/powerpoint/2010/main" val="1661160505"/>
       </p:ext>
     </p:extLst>
   </p:cSld>
@@ -11005,6 +11262,169 @@
       </p:grpSpPr>
       <p:sp>
         <p:nvSpPr>
+          <p:cNvPr id="4" name="Title 3">
+            <a:extLst>
+              <a:ext uri="{FF2B5EF4-FFF2-40B4-BE49-F238E27FC236}">
+                <a16:creationId xmlns:a16="http://schemas.microsoft.com/office/drawing/2014/main" id="{C7FB00DB-D8C2-478A-98C6-88C2B77965BC}"/>
+              </a:ext>
+            </a:extLst>
+          </p:cNvPr>
+          <p:cNvSpPr>
+            <a:spLocks noGrp="1"/>
+          </p:cNvSpPr>
+          <p:nvPr>
+            <p:ph type="title"/>
+          </p:nvPr>
+        </p:nvSpPr>
+        <p:spPr>
+          <a:xfrm>
+            <a:off x="1055604" y="990600"/>
+            <a:ext cx="3895809" cy="1066800"/>
+          </a:xfrm>
+        </p:spPr>
+        <p:txBody>
+          <a:bodyPr/>
+          <a:lstStyle/>
+          <a:p>
+            <a:r>
+              <a:rPr lang="en-US" sz="3200" dirty="0"/>
+              <a:t>PluginControl Class</a:t>
+            </a:r>
+          </a:p>
+        </p:txBody>
+      </p:sp>
+      <p:sp>
+        <p:nvSpPr>
+          <p:cNvPr id="6" name="Text Placeholder 5">
+            <a:extLst>
+              <a:ext uri="{FF2B5EF4-FFF2-40B4-BE49-F238E27FC236}">
+                <a16:creationId xmlns:a16="http://schemas.microsoft.com/office/drawing/2014/main" id="{C80BB951-D444-46D1-BAC3-9BA5DE7C7C10}"/>
+              </a:ext>
+            </a:extLst>
+          </p:cNvPr>
+          <p:cNvSpPr>
+            <a:spLocks noGrp="1"/>
+          </p:cNvSpPr>
+          <p:nvPr>
+            <p:ph type="body" sz="half" idx="2"/>
+          </p:nvPr>
+        </p:nvSpPr>
+        <p:spPr>
+          <a:xfrm>
+            <a:off x="1065213" y="2209800"/>
+            <a:ext cx="5029199" cy="3810000"/>
+          </a:xfrm>
+        </p:spPr>
+        <p:txBody>
+          <a:bodyPr>
+            <a:normAutofit/>
+          </a:bodyPr>
+          <a:lstStyle/>
+          <a:p>
+            <a:r>
+              <a:rPr lang="en-US" sz="2400" dirty="0"/>
+              <a:t>This is the user interface for your Tool, where most of your work will be done</a:t>
+            </a:r>
+          </a:p>
+          <a:p>
+            <a:r>
+              <a:rPr lang="en-US" sz="2400" dirty="0"/>
+              <a:t>Derives from PluginControlBase Class</a:t>
+            </a:r>
+          </a:p>
+          <a:p>
+            <a:r>
+              <a:rPr lang="en-US" sz="2400" dirty="0"/>
+              <a:t>Existing Properties and Methods provide both utility and a standard model for building Tools</a:t>
+            </a:r>
+          </a:p>
+          <a:p>
+            <a:r>
+              <a:rPr lang="en-US" sz="2400" dirty="0"/>
+              <a:t>Tools that require multiple connections – derive from </a:t>
+            </a:r>
+            <a:r>
+              <a:rPr lang="en-US" sz="2400" i="1" dirty="0"/>
+              <a:t>MultipleConnectionsPluginControlBase</a:t>
+            </a:r>
+          </a:p>
+        </p:txBody>
+      </p:sp>
+      <p:graphicFrame>
+        <p:nvGraphicFramePr>
+          <p:cNvPr id="7" name="Content Placeholder 6">
+            <a:extLst>
+              <a:ext uri="{FF2B5EF4-FFF2-40B4-BE49-F238E27FC236}">
+                <a16:creationId xmlns:a16="http://schemas.microsoft.com/office/drawing/2014/main" id="{00F5FEBB-F442-454D-A542-CF4AE5190180}"/>
+              </a:ext>
+            </a:extLst>
+          </p:cNvPr>
+          <p:cNvGraphicFramePr>
+            <a:graphicFrameLocks noGrp="1"/>
+          </p:cNvGraphicFramePr>
+          <p:nvPr>
+            <p:ph idx="1"/>
+            <p:extLst>
+              <p:ext uri="{D42A27DB-BD31-4B8C-83A1-F6EECF244321}">
+                <p14:modId xmlns:p14="http://schemas.microsoft.com/office/powerpoint/2010/main" val="2604180347"/>
+              </p:ext>
+            </p:extLst>
+          </p:nvPr>
+        </p:nvGraphicFramePr>
+        <p:xfrm>
+          <a:off x="5789612" y="685800"/>
+          <a:ext cx="5562600" cy="5181600"/>
+        </p:xfrm>
+        <a:graphic>
+          <a:graphicData uri="http://schemas.openxmlformats.org/drawingml/2006/diagram">
+            <dgm:relIds xmlns:dgm="http://schemas.openxmlformats.org/drawingml/2006/diagram" xmlns:r="http://schemas.openxmlformats.org/officeDocument/2006/relationships" r:dm="rId2" r:lo="rId3" r:qs="rId4" r:cs="rId5"/>
+          </a:graphicData>
+        </a:graphic>
+      </p:graphicFrame>
+    </p:spTree>
+    <p:extLst>
+      <p:ext uri="{BB962C8B-B14F-4D97-AF65-F5344CB8AC3E}">
+        <p14:creationId xmlns:p14="http://schemas.microsoft.com/office/powerpoint/2010/main" val="1563008445"/>
+      </p:ext>
+    </p:extLst>
+  </p:cSld>
+  <p:clrMapOvr>
+    <a:masterClrMapping/>
+  </p:clrMapOvr>
+  <mc:AlternateContent xmlns:mc="http://schemas.openxmlformats.org/markup-compatibility/2006" xmlns:p14="http://schemas.microsoft.com/office/powerpoint/2010/main">
+    <mc:Choice Requires="p14">
+      <p:transition spd="med" p14:dur="700">
+        <p:fade/>
+      </p:transition>
+    </mc:Choice>
+    <mc:Fallback xmlns="">
+      <p:transition spd="med">
+        <p:fade/>
+      </p:transition>
+    </mc:Fallback>
+  </mc:AlternateContent>
+</p:sld>
+</file>
+
+<file path=ppt/slides/slide13.xml><?xml version="1.0" encoding="utf-8"?>
+<p:sld xmlns:a="http://schemas.openxmlformats.org/drawingml/2006/main" xmlns:r="http://schemas.openxmlformats.org/officeDocument/2006/relationships" xmlns:p="http://schemas.openxmlformats.org/presentationml/2006/main">
+  <p:cSld>
+    <p:spTree>
+      <p:nvGrpSpPr>
+        <p:cNvPr id="1" name=""/>
+        <p:cNvGrpSpPr/>
+        <p:nvPr/>
+      </p:nvGrpSpPr>
+      <p:grpSpPr>
+        <a:xfrm>
+          <a:off x="0" y="0"/>
+          <a:ext cx="0" cy="0"/>
+          <a:chOff x="0" y="0"/>
+          <a:chExt cx="0" cy="0"/>
+        </a:xfrm>
+      </p:grpSpPr>
+      <p:sp>
+        <p:nvSpPr>
           <p:cNvPr id="2" name="Title 1">
             <a:extLst>
               <a:ext uri="{FF2B5EF4-FFF2-40B4-BE49-F238E27FC236}">
@@ -11026,7 +11446,7 @@
           <a:p>
             <a:r>
               <a:rPr lang="en-US" dirty="0"/>
-              <a:t>Getting Started</a:t>
+              <a:t>Getting Started – Dev Tools and Templates</a:t>
             </a:r>
           </a:p>
         </p:txBody>
@@ -11049,53 +11469,52 @@
         </p:nvSpPr>
         <p:spPr/>
         <p:txBody>
-          <a:bodyPr/>
+          <a:bodyPr>
+            <a:normAutofit/>
+          </a:bodyPr>
           <a:lstStyle/>
           <a:p>
             <a:r>
-              <a:rPr lang="en-US" dirty="0"/>
-              <a:t>Some tools of the trade </a:t>
-            </a:r>
-          </a:p>
-          <a:p>
-            <a:r>
-              <a:rPr lang="en-US" dirty="0"/>
+              <a:rPr lang="en-US" sz="2800" dirty="0"/>
               <a:t>Visual Studio – Express or higher</a:t>
             </a:r>
           </a:p>
           <a:p>
             <a:r>
-              <a:rPr lang="en-US" dirty="0"/>
+              <a:rPr lang="en-US" sz="2800" dirty="0"/>
               <a:t>XrmToolBox Plugin Project Template for Visual Studio</a:t>
             </a:r>
           </a:p>
           <a:p>
             <a:pPr lvl="1"/>
             <a:r>
-              <a:rPr lang="en-US" dirty="0">
-                <a:hlinkClick r:id="rId2"/>
+              <a:rPr lang="en-US" sz="2400" dirty="0">
+                <a:hlinkClick r:id="rId3"/>
               </a:rPr>
               <a:t>https://marketplace.visualstudio.com/items?itemName=TanguyTMVPCRM.XrmToolBoxPluginProjectTemplate-19499</a:t>
             </a:r>
-            <a:endParaRPr lang="en-US" dirty="0"/>
-          </a:p>
-          <a:p>
-            <a:r>
-              <a:rPr lang="en-US" dirty="0"/>
+            <a:r>
+              <a:rPr lang="en-US" sz="2400" dirty="0"/>
+              <a:t> </a:t>
+            </a:r>
+          </a:p>
+          <a:p>
+            <a:r>
+              <a:rPr lang="en-US" sz="2800" dirty="0"/>
               <a:t>Depending on your Tool</a:t>
             </a:r>
           </a:p>
           <a:p>
             <a:pPr lvl="1"/>
             <a:r>
-              <a:rPr lang="en-US" dirty="0"/>
+              <a:rPr lang="en-US" sz="2800" dirty="0"/>
               <a:t>Third party components such as UI controls </a:t>
             </a:r>
           </a:p>
           <a:p>
             <a:pPr lvl="1"/>
             <a:r>
-              <a:rPr lang="en-US" dirty="0"/>
+              <a:rPr lang="en-US" sz="2800" dirty="0"/>
               <a:t>Additional NuGet packages for tool operation or packaging and deployment  </a:t>
             </a:r>
           </a:p>
@@ -11126,7 +11545,7 @@
 </p:sld>
 </file>
 
-<file path=ppt/slides/slide13.xml><?xml version="1.0" encoding="utf-8"?>
+<file path=ppt/slides/slide14.xml><?xml version="1.0" encoding="utf-8"?>
 <p:sld xmlns:a="http://schemas.openxmlformats.org/drawingml/2006/main" xmlns:r="http://schemas.openxmlformats.org/officeDocument/2006/relationships" xmlns:p="http://schemas.openxmlformats.org/presentationml/2006/main">
   <p:cSld>
     <p:spTree>
@@ -11277,7 +11696,7 @@
 </p:sld>
 </file>
 
-<file path=ppt/slides/slide14.xml><?xml version="1.0" encoding="utf-8"?>
+<file path=ppt/slides/slide15.xml><?xml version="1.0" encoding="utf-8"?>
 <p:sld xmlns:a="http://schemas.openxmlformats.org/drawingml/2006/main" xmlns:r="http://schemas.openxmlformats.org/officeDocument/2006/relationships" xmlns:p="http://schemas.openxmlformats.org/presentationml/2006/main">
   <p:cSld>
     <p:spTree>
@@ -11333,7 +11752,7 @@
         <p:spPr>
           <a:xfrm>
             <a:off x="1522413" y="1904999"/>
-            <a:ext cx="9134391" cy="4114801"/>
+            <a:ext cx="9524999" cy="4114801"/>
           </a:xfrm>
           <a:prstGeom prst="rect">
             <a:avLst/>
@@ -11527,99 +11946,100 @@
           </a:lstStyle>
           <a:p>
             <a:r>
-              <a:rPr lang="en-US" sz="2000" dirty="0"/>
+              <a:rPr lang="en-US" dirty="0"/>
               <a:t>XrmToolBox developer documentation:</a:t>
             </a:r>
           </a:p>
           <a:p>
             <a:pPr lvl="1"/>
             <a:r>
-              <a:rPr lang="en-US" sz="1800" dirty="0">
+              <a:rPr lang="en-US" dirty="0">
                 <a:hlinkClick r:id="rId2"/>
               </a:rPr>
               <a:t>https://www.xrmtoolbox.com/documentation/for-developers/</a:t>
             </a:r>
-            <a:r>
-              <a:rPr lang="en-US" sz="1800" dirty="0"/>
-              <a:t>   </a:t>
-            </a:r>
-          </a:p>
-          <a:p>
-            <a:r>
-              <a:rPr lang="en-US" sz="2000" dirty="0"/>
+            <a:endParaRPr lang="en-US" dirty="0"/>
+          </a:p>
+          <a:p>
+            <a:r>
+              <a:rPr lang="en-US" dirty="0"/>
               <a:t>Jonas Rapp - </a:t>
             </a:r>
             <a:r>
-              <a:rPr lang="en-US" sz="1800" dirty="0">
+              <a:rPr lang="en-US" sz="2000" dirty="0">
                 <a:hlinkClick r:id="rId3"/>
               </a:rPr>
               <a:t>https://jonasrapp.net/</a:t>
             </a:r>
             <a:r>
-              <a:rPr lang="en-US" sz="1800" dirty="0"/>
+              <a:rPr lang="en-US" sz="2000" dirty="0"/>
               <a:t> </a:t>
             </a:r>
           </a:p>
           <a:p>
             <a:r>
-              <a:rPr lang="en-US" sz="2000" dirty="0"/>
+              <a:rPr lang="en-US" dirty="0"/>
               <a:t>Daryl LaBar - </a:t>
             </a:r>
             <a:r>
-              <a:rPr lang="en-US" sz="1800" dirty="0">
+              <a:rPr lang="en-US" sz="2000" dirty="0">
                 <a:hlinkClick r:id="rId4"/>
               </a:rPr>
               <a:t>http://dotnetdust.blogspot.com/</a:t>
             </a:r>
-            <a:endParaRPr lang="en-US" sz="1800" dirty="0"/>
-          </a:p>
-          <a:p>
-            <a:r>
-              <a:rPr lang="en-US" sz="2000" dirty="0"/>
-              <a:t>FutureZ Blog -</a:t>
-            </a:r>
-          </a:p>
-          <a:p>
-            <a:pPr lvl="1"/>
-            <a:r>
-              <a:rPr lang="en-US" sz="1800" dirty="0">
+            <a:endParaRPr lang="en-US" sz="2000" dirty="0"/>
+          </a:p>
+          <a:p>
+            <a:r>
+              <a:rPr lang="en-US" dirty="0"/>
+              <a:t>FutureZ Blog - </a:t>
+            </a:r>
+            <a:r>
+              <a:rPr lang="en-US" sz="2000" dirty="0">
                 <a:hlinkClick r:id="rId5"/>
               </a:rPr>
-              <a:t>https://futurezconsulting.com/2018/12/05/building-xrmtoolbox-tools/</a:t>
-            </a:r>
-            <a:endParaRPr lang="en-US" sz="1800" dirty="0"/>
-          </a:p>
-          <a:p>
-            <a:pPr lvl="1"/>
-            <a:r>
-              <a:rPr lang="en-US" sz="1800" dirty="0">
+              <a:t>https://futurezconsulting.com/blog/</a:t>
+            </a:r>
+            <a:r>
+              <a:rPr lang="en-US" sz="2000" dirty="0"/>
+              <a:t> </a:t>
+            </a:r>
+          </a:p>
+          <a:p>
+            <a:r>
+              <a:rPr lang="en-US" dirty="0"/>
+              <a:t>Our Demo Project - </a:t>
+            </a:r>
+            <a:r>
+              <a:rPr lang="en-US" sz="2000" dirty="0">
                 <a:hlinkClick r:id="rId6"/>
               </a:rPr>
-              <a:t>https://futurezconsulting.com/2019/01/22/building-xrmtoolbox-tools-part-2/</a:t>
-            </a:r>
-            <a:r>
-              <a:rPr lang="en-US" sz="1800" dirty="0"/>
-              <a:t> </a:t>
-            </a:r>
-          </a:p>
-          <a:p>
+              <a:t>https://futz.news/xrmtbdemo</a:t>
+            </a:r>
             <a:r>
               <a:rPr lang="en-US" sz="2000" dirty="0"/>
-              <a:t>Our Demo Project</a:t>
+              <a:t>  </a:t>
+            </a:r>
+          </a:p>
+          <a:p>
+            <a:r>
+              <a:rPr lang="en-US" dirty="0" err="1"/>
+              <a:t>Github</a:t>
+            </a:r>
+            <a:r>
+              <a:rPr lang="en-US" dirty="0"/>
+              <a:t> – Common Controls: </a:t>
             </a:r>
           </a:p>
           <a:p>
             <a:pPr lvl="1"/>
             <a:r>
-              <a:rPr lang="en-US" sz="1800" dirty="0">
+              <a:rPr lang="en-US" dirty="0">
                 <a:hlinkClick r:id="rId7"/>
               </a:rPr>
-              <a:t>https://github.com/jamesnovak/365SaturdayPresentations/tree/master/Building%20Xrm%20Toolbox%20Tools/Sample%20Code</a:t>
-            </a:r>
-            <a:r>
-              <a:rPr lang="en-US" sz="1800" dirty="0"/>
-              <a:t> </a:t>
-            </a:r>
+              <a:t>https://github.com/jamesnovak/xrmtb.XrmToolBox.Controls</a:t>
+            </a:r>
+            <a:endParaRPr lang="en-US" sz="2800" dirty="0"/>
           </a:p>
         </p:txBody>
       </p:sp>
@@ -11649,6 +12069,742 @@
 </file>
 
 <file path=ppt/slides/slide2.xml><?xml version="1.0" encoding="utf-8"?>
+<p:sld xmlns:a="http://schemas.openxmlformats.org/drawingml/2006/main" xmlns:r="http://schemas.openxmlformats.org/officeDocument/2006/relationships" xmlns:p="http://schemas.openxmlformats.org/presentationml/2006/main">
+  <p:cSld>
+    <p:spTree>
+      <p:nvGrpSpPr>
+        <p:cNvPr id="1" name=""/>
+        <p:cNvGrpSpPr/>
+        <p:nvPr/>
+      </p:nvGrpSpPr>
+      <p:grpSpPr>
+        <a:xfrm>
+          <a:off x="0" y="0"/>
+          <a:ext cx="0" cy="0"/>
+          <a:chOff x="0" y="0"/>
+          <a:chExt cx="0" cy="0"/>
+        </a:xfrm>
+      </p:grpSpPr>
+      <p:sp>
+        <p:nvSpPr>
+          <p:cNvPr id="13" name="Title 12">
+            <a:extLst>
+              <a:ext uri="{FF2B5EF4-FFF2-40B4-BE49-F238E27FC236}">
+                <a16:creationId xmlns:a16="http://schemas.microsoft.com/office/drawing/2014/main" id="{18251BF7-6B17-4D41-97B3-4073B6382234}"/>
+              </a:ext>
+            </a:extLst>
+          </p:cNvPr>
+          <p:cNvSpPr>
+            <a:spLocks noGrp="1"/>
+          </p:cNvSpPr>
+          <p:nvPr>
+            <p:ph type="title"/>
+          </p:nvPr>
+        </p:nvSpPr>
+        <p:spPr>
+          <a:xfrm>
+            <a:off x="914830" y="381795"/>
+            <a:ext cx="9750394" cy="895540"/>
+          </a:xfrm>
+        </p:spPr>
+        <p:txBody>
+          <a:bodyPr/>
+          <a:lstStyle/>
+          <a:p>
+            <a:r>
+              <a:rPr lang="en-US" dirty="0"/>
+              <a:t>Speaker Profile – Jim Novak</a:t>
+            </a:r>
+          </a:p>
+        </p:txBody>
+      </p:sp>
+      <p:sp>
+        <p:nvSpPr>
+          <p:cNvPr id="3" name="Content Placeholder 2"/>
+          <p:cNvSpPr>
+            <a:spLocks noGrp="1"/>
+          </p:cNvSpPr>
+          <p:nvPr>
+            <p:ph idx="1"/>
+          </p:nvPr>
+        </p:nvSpPr>
+        <p:spPr>
+          <a:xfrm>
+            <a:off x="840721" y="1826461"/>
+            <a:ext cx="6550875" cy="4349072"/>
+          </a:xfrm>
+        </p:spPr>
+        <p:txBody>
+          <a:bodyPr/>
+          <a:lstStyle/>
+          <a:p>
+            <a:r>
+              <a:rPr lang="en-US" dirty="0"/>
+              <a:t>Microsoft MVP, Business Applications</a:t>
+            </a:r>
+          </a:p>
+          <a:p>
+            <a:r>
+              <a:rPr lang="en-US" dirty="0"/>
+              <a:t>Technical Architect at FutureZ Consulting</a:t>
+            </a:r>
+          </a:p>
+          <a:p>
+            <a:endParaRPr lang="en-US" dirty="0"/>
+          </a:p>
+        </p:txBody>
+      </p:sp>
+      <p:sp>
+        <p:nvSpPr>
+          <p:cNvPr id="7" name="TextBox 9">
+            <a:extLst>
+              <a:ext uri="{FF2B5EF4-FFF2-40B4-BE49-F238E27FC236}">
+                <a16:creationId xmlns:a16="http://schemas.microsoft.com/office/drawing/2014/main" id="{76A9252A-4002-4D49-90F9-3C59C8E2C8DD}"/>
+              </a:ext>
+            </a:extLst>
+          </p:cNvPr>
+          <p:cNvSpPr txBox="1"/>
+          <p:nvPr/>
+        </p:nvSpPr>
+        <p:spPr>
+          <a:xfrm>
+            <a:off x="992557" y="3213089"/>
+            <a:ext cx="6503711" cy="3396083"/>
+          </a:xfrm>
+          <a:prstGeom prst="rect">
+            <a:avLst/>
+          </a:prstGeom>
+          <a:noFill/>
+        </p:spPr>
+        <p:txBody>
+          <a:bodyPr wrap="square" lIns="182784" tIns="146228" rIns="182784" bIns="146228" rtlCol="0">
+            <a:spAutoFit/>
+          </a:bodyPr>
+          <a:lstStyle>
+            <a:defPPr>
+              <a:defRPr lang="en-US"/>
+            </a:defPPr>
+            <a:lvl1pPr marL="0" algn="l" defTabSz="914400" rtl="0" eaLnBrk="1" latinLnBrk="0" hangingPunct="1">
+              <a:defRPr sz="1800" kern="1200">
+                <a:solidFill>
+                  <a:schemeClr val="tx1"/>
+                </a:solidFill>
+                <a:latin typeface="+mn-lt"/>
+                <a:ea typeface="+mn-ea"/>
+                <a:cs typeface="+mn-cs"/>
+              </a:defRPr>
+            </a:lvl1pPr>
+            <a:lvl2pPr marL="457200" algn="l" defTabSz="914400" rtl="0" eaLnBrk="1" latinLnBrk="0" hangingPunct="1">
+              <a:defRPr sz="1800" kern="1200">
+                <a:solidFill>
+                  <a:schemeClr val="tx1"/>
+                </a:solidFill>
+                <a:latin typeface="+mn-lt"/>
+                <a:ea typeface="+mn-ea"/>
+                <a:cs typeface="+mn-cs"/>
+              </a:defRPr>
+            </a:lvl2pPr>
+            <a:lvl3pPr marL="914400" algn="l" defTabSz="914400" rtl="0" eaLnBrk="1" latinLnBrk="0" hangingPunct="1">
+              <a:defRPr sz="1800" kern="1200">
+                <a:solidFill>
+                  <a:schemeClr val="tx1"/>
+                </a:solidFill>
+                <a:latin typeface="+mn-lt"/>
+                <a:ea typeface="+mn-ea"/>
+                <a:cs typeface="+mn-cs"/>
+              </a:defRPr>
+            </a:lvl3pPr>
+            <a:lvl4pPr marL="1371600" algn="l" defTabSz="914400" rtl="0" eaLnBrk="1" latinLnBrk="0" hangingPunct="1">
+              <a:defRPr sz="1800" kern="1200">
+                <a:solidFill>
+                  <a:schemeClr val="tx1"/>
+                </a:solidFill>
+                <a:latin typeface="+mn-lt"/>
+                <a:ea typeface="+mn-ea"/>
+                <a:cs typeface="+mn-cs"/>
+              </a:defRPr>
+            </a:lvl4pPr>
+            <a:lvl5pPr marL="1828800" algn="l" defTabSz="914400" rtl="0" eaLnBrk="1" latinLnBrk="0" hangingPunct="1">
+              <a:defRPr sz="1800" kern="1200">
+                <a:solidFill>
+                  <a:schemeClr val="tx1"/>
+                </a:solidFill>
+                <a:latin typeface="+mn-lt"/>
+                <a:ea typeface="+mn-ea"/>
+                <a:cs typeface="+mn-cs"/>
+              </a:defRPr>
+            </a:lvl5pPr>
+            <a:lvl6pPr marL="2286000" algn="l" defTabSz="914400" rtl="0" eaLnBrk="1" latinLnBrk="0" hangingPunct="1">
+              <a:defRPr sz="1800" kern="1200">
+                <a:solidFill>
+                  <a:schemeClr val="tx1"/>
+                </a:solidFill>
+                <a:latin typeface="+mn-lt"/>
+                <a:ea typeface="+mn-ea"/>
+                <a:cs typeface="+mn-cs"/>
+              </a:defRPr>
+            </a:lvl6pPr>
+            <a:lvl7pPr marL="2743200" algn="l" defTabSz="914400" rtl="0" eaLnBrk="1" latinLnBrk="0" hangingPunct="1">
+              <a:defRPr sz="1800" kern="1200">
+                <a:solidFill>
+                  <a:schemeClr val="tx1"/>
+                </a:solidFill>
+                <a:latin typeface="+mn-lt"/>
+                <a:ea typeface="+mn-ea"/>
+                <a:cs typeface="+mn-cs"/>
+              </a:defRPr>
+            </a:lvl7pPr>
+            <a:lvl8pPr marL="3200400" algn="l" defTabSz="914400" rtl="0" eaLnBrk="1" latinLnBrk="0" hangingPunct="1">
+              <a:defRPr sz="1800" kern="1200">
+                <a:solidFill>
+                  <a:schemeClr val="tx1"/>
+                </a:solidFill>
+                <a:latin typeface="+mn-lt"/>
+                <a:ea typeface="+mn-ea"/>
+                <a:cs typeface="+mn-cs"/>
+              </a:defRPr>
+            </a:lvl8pPr>
+            <a:lvl9pPr marL="3657600" algn="l" defTabSz="914400" rtl="0" eaLnBrk="1" latinLnBrk="0" hangingPunct="1">
+              <a:defRPr sz="1800" kern="1200">
+                <a:solidFill>
+                  <a:schemeClr val="tx1"/>
+                </a:solidFill>
+                <a:latin typeface="+mn-lt"/>
+                <a:ea typeface="+mn-ea"/>
+                <a:cs typeface="+mn-cs"/>
+              </a:defRPr>
+            </a:lvl9pPr>
+          </a:lstStyle>
+          <a:p>
+            <a:pPr lvl="1"/>
+            <a:r>
+              <a:rPr lang="en-GB" sz="1998" b="1" dirty="0">
+                <a:solidFill>
+                  <a:srgbClr val="00B0F0"/>
+                </a:solidFill>
+              </a:rPr>
+              <a:t>@</a:t>
+            </a:r>
+            <a:r>
+              <a:rPr lang="en-GB" sz="1998" b="1" dirty="0" err="1">
+                <a:solidFill>
+                  <a:srgbClr val="00B0F0"/>
+                </a:solidFill>
+              </a:rPr>
+              <a:t>crmdevjim</a:t>
+            </a:r>
+            <a:br>
+              <a:rPr lang="en-US" sz="1998" b="1" dirty="0">
+                <a:gradFill>
+                  <a:gsLst>
+                    <a:gs pos="8197">
+                      <a:schemeClr val="tx2"/>
+                    </a:gs>
+                    <a:gs pos="24000">
+                      <a:schemeClr val="tx2"/>
+                    </a:gs>
+                  </a:gsLst>
+                  <a:lin ang="5400000" scaled="0"/>
+                </a:gradFill>
+              </a:rPr>
+            </a:br>
+            <a:br>
+              <a:rPr lang="en-US" sz="1998" b="1" dirty="0">
+                <a:gradFill>
+                  <a:gsLst>
+                    <a:gs pos="8197">
+                      <a:schemeClr val="tx2"/>
+                    </a:gs>
+                    <a:gs pos="24000">
+                      <a:schemeClr val="tx2"/>
+                    </a:gs>
+                  </a:gsLst>
+                  <a:lin ang="5400000" scaled="0"/>
+                </a:gradFill>
+              </a:rPr>
+            </a:br>
+            <a:r>
+              <a:rPr lang="en-US" sz="1998" b="1" dirty="0">
+                <a:gradFill>
+                  <a:gsLst>
+                    <a:gs pos="8197">
+                      <a:schemeClr val="tx2"/>
+                    </a:gs>
+                    <a:gs pos="24000">
+                      <a:schemeClr val="tx2"/>
+                    </a:gs>
+                  </a:gsLst>
+                  <a:lin ang="5400000" scaled="0"/>
+                </a:gradFill>
+                <a:hlinkClick r:id="rId2"/>
+              </a:rPr>
+              <a:t>mvp.microsoft.com/en-us/PublicProfile/5003339</a:t>
+            </a:r>
+            <a:r>
+              <a:rPr lang="en-US" sz="1998" b="1" dirty="0">
+                <a:gradFill>
+                  <a:gsLst>
+                    <a:gs pos="8197">
+                      <a:schemeClr val="tx2"/>
+                    </a:gs>
+                    <a:gs pos="24000">
+                      <a:schemeClr val="tx2"/>
+                    </a:gs>
+                  </a:gsLst>
+                  <a:lin ang="5400000" scaled="0"/>
+                </a:gradFill>
+              </a:rPr>
+              <a:t> </a:t>
+            </a:r>
+          </a:p>
+          <a:p>
+            <a:pPr lvl="1"/>
+            <a:endParaRPr lang="en-US" sz="1998" b="1" dirty="0">
+              <a:gradFill>
+                <a:gsLst>
+                  <a:gs pos="8197">
+                    <a:schemeClr val="tx2"/>
+                  </a:gs>
+                  <a:gs pos="24000">
+                    <a:schemeClr val="tx2"/>
+                  </a:gs>
+                </a:gsLst>
+                <a:lin ang="5400000" scaled="0"/>
+              </a:gradFill>
+            </a:endParaRPr>
+          </a:p>
+          <a:p>
+            <a:pPr lvl="1"/>
+            <a:r>
+              <a:rPr lang="en-US" sz="1998" b="1" dirty="0">
+                <a:gradFill>
+                  <a:gsLst>
+                    <a:gs pos="8197">
+                      <a:schemeClr val="tx2"/>
+                    </a:gs>
+                    <a:gs pos="24000">
+                      <a:schemeClr val="tx2"/>
+                    </a:gs>
+                  </a:gsLst>
+                  <a:lin ang="5400000" scaled="0"/>
+                </a:gradFill>
+                <a:hlinkClick r:id="rId3"/>
+              </a:rPr>
+              <a:t>futurezconsulting.com/blog</a:t>
+            </a:r>
+            <a:endParaRPr lang="en-US" sz="1998" b="1" dirty="0">
+              <a:gradFill>
+                <a:gsLst>
+                  <a:gs pos="8197">
+                    <a:schemeClr val="tx2"/>
+                  </a:gs>
+                  <a:gs pos="24000">
+                    <a:schemeClr val="tx2"/>
+                  </a:gs>
+                </a:gsLst>
+                <a:lin ang="5400000" scaled="0"/>
+              </a:gradFill>
+            </a:endParaRPr>
+          </a:p>
+          <a:p>
+            <a:pPr lvl="1"/>
+            <a:endParaRPr lang="en-US" sz="1998" b="1" dirty="0">
+              <a:gradFill>
+                <a:gsLst>
+                  <a:gs pos="8197">
+                    <a:schemeClr val="tx2"/>
+                  </a:gs>
+                  <a:gs pos="24000">
+                    <a:schemeClr val="tx2"/>
+                  </a:gs>
+                </a:gsLst>
+                <a:lin ang="5400000" scaled="0"/>
+              </a:gradFill>
+            </a:endParaRPr>
+          </a:p>
+          <a:p>
+            <a:pPr lvl="1"/>
+            <a:r>
+              <a:rPr lang="en-US" sz="1998" b="1" dirty="0">
+                <a:gradFill>
+                  <a:gsLst>
+                    <a:gs pos="8197">
+                      <a:schemeClr val="tx2"/>
+                    </a:gs>
+                    <a:gs pos="24000">
+                      <a:schemeClr val="tx2"/>
+                    </a:gs>
+                  </a:gsLst>
+                  <a:lin ang="5400000" scaled="0"/>
+                </a:gradFill>
+                <a:hlinkClick r:id="rId4"/>
+              </a:rPr>
+              <a:t>www.linkedin.com/in/jamesnovak</a:t>
+            </a:r>
+            <a:endParaRPr lang="en-US" sz="1998" b="1" dirty="0">
+              <a:gradFill>
+                <a:gsLst>
+                  <a:gs pos="8197">
+                    <a:schemeClr val="tx2"/>
+                  </a:gs>
+                  <a:gs pos="24000">
+                    <a:schemeClr val="tx2"/>
+                  </a:gs>
+                </a:gsLst>
+                <a:lin ang="5400000" scaled="0"/>
+              </a:gradFill>
+              <a:hlinkClick r:id="" action="ppaction://noaction"/>
+            </a:endParaRPr>
+          </a:p>
+          <a:p>
+            <a:pPr lvl="1"/>
+            <a:endParaRPr lang="en-US" sz="1998" b="1" dirty="0">
+              <a:gradFill>
+                <a:gsLst>
+                  <a:gs pos="8197">
+                    <a:schemeClr val="tx2"/>
+                  </a:gs>
+                  <a:gs pos="24000">
+                    <a:schemeClr val="tx2"/>
+                  </a:gs>
+                </a:gsLst>
+                <a:lin ang="5400000" scaled="0"/>
+              </a:gradFill>
+              <a:hlinkClick r:id="" action="ppaction://noaction"/>
+            </a:endParaRPr>
+          </a:p>
+          <a:p>
+            <a:pPr lvl="1"/>
+            <a:r>
+              <a:rPr lang="en-US" sz="1998" b="1" dirty="0">
+                <a:gradFill>
+                  <a:gsLst>
+                    <a:gs pos="8197">
+                      <a:schemeClr val="tx2"/>
+                    </a:gs>
+                    <a:gs pos="24000">
+                      <a:schemeClr val="tx2"/>
+                    </a:gs>
+                  </a:gsLst>
+                  <a:lin ang="5400000" scaled="0"/>
+                </a:gradFill>
+                <a:hlinkClick r:id="" action="ppaction://noaction"/>
+              </a:rPr>
+              <a:t>jim@thefuturez.com</a:t>
+            </a:r>
+            <a:r>
+              <a:rPr lang="en-US" sz="1998" b="1" dirty="0">
+                <a:gradFill>
+                  <a:gsLst>
+                    <a:gs pos="8197">
+                      <a:schemeClr val="tx2"/>
+                    </a:gs>
+                    <a:gs pos="24000">
+                      <a:schemeClr val="tx2"/>
+                    </a:gs>
+                  </a:gsLst>
+                  <a:lin ang="5400000" scaled="0"/>
+                </a:gradFill>
+              </a:rPr>
+              <a:t> </a:t>
+            </a:r>
+            <a:endParaRPr lang="en-US" sz="1998" dirty="0">
+              <a:solidFill>
+                <a:schemeClr val="accent1">
+                  <a:lumMod val="75000"/>
+                </a:schemeClr>
+              </a:solidFill>
+            </a:endParaRPr>
+          </a:p>
+          <a:p>
+            <a:pPr>
+              <a:lnSpc>
+                <a:spcPct val="90000"/>
+              </a:lnSpc>
+              <a:spcAft>
+                <a:spcPts val="600"/>
+              </a:spcAft>
+            </a:pPr>
+            <a:endParaRPr lang="en-GB" sz="2398" dirty="0" err="1">
+              <a:gradFill>
+                <a:gsLst>
+                  <a:gs pos="2917">
+                    <a:schemeClr val="tx1"/>
+                  </a:gs>
+                  <a:gs pos="30000">
+                    <a:schemeClr val="tx1"/>
+                  </a:gs>
+                </a:gsLst>
+                <a:lin ang="5400000" scaled="0"/>
+              </a:gradFill>
+            </a:endParaRPr>
+          </a:p>
+        </p:txBody>
+      </p:sp>
+      <p:pic>
+        <p:nvPicPr>
+          <p:cNvPr id="8" name="Picture 7">
+            <a:extLst>
+              <a:ext uri="{FF2B5EF4-FFF2-40B4-BE49-F238E27FC236}">
+                <a16:creationId xmlns:a16="http://schemas.microsoft.com/office/drawing/2014/main" id="{52A7D5CA-52EA-4BE3-8019-AB116C29E17D}"/>
+              </a:ext>
+            </a:extLst>
+          </p:cNvPr>
+          <p:cNvPicPr>
+            <a:picLocks noChangeAspect="1"/>
+          </p:cNvPicPr>
+          <p:nvPr/>
+        </p:nvPicPr>
+        <p:blipFill>
+          <a:blip r:embed="rId5"/>
+          <a:stretch>
+            <a:fillRect/>
+          </a:stretch>
+        </p:blipFill>
+        <p:spPr>
+          <a:xfrm>
+            <a:off x="933216" y="3226760"/>
+            <a:ext cx="516647" cy="526953"/>
+          </a:xfrm>
+          <a:prstGeom prst="rect">
+            <a:avLst/>
+          </a:prstGeom>
+          <a:effectLst>
+            <a:glow rad="101600">
+              <a:schemeClr val="accent1">
+                <a:satMod val="175000"/>
+                <a:alpha val="40000"/>
+              </a:schemeClr>
+            </a:glow>
+          </a:effectLst>
+        </p:spPr>
+      </p:pic>
+      <p:pic>
+        <p:nvPicPr>
+          <p:cNvPr id="9" name="Picture 8">
+            <a:extLst>
+              <a:ext uri="{FF2B5EF4-FFF2-40B4-BE49-F238E27FC236}">
+                <a16:creationId xmlns:a16="http://schemas.microsoft.com/office/drawing/2014/main" id="{A88B92A2-F008-4B7A-AE37-420B2C6A0C90}"/>
+              </a:ext>
+            </a:extLst>
+          </p:cNvPr>
+          <p:cNvPicPr>
+            <a:picLocks noChangeAspect="1"/>
+          </p:cNvPicPr>
+          <p:nvPr/>
+        </p:nvPicPr>
+        <p:blipFill>
+          <a:blip r:embed="rId6"/>
+          <a:stretch>
+            <a:fillRect/>
+          </a:stretch>
+        </p:blipFill>
+        <p:spPr>
+          <a:xfrm>
+            <a:off x="914831" y="5055786"/>
+            <a:ext cx="553423" cy="553423"/>
+          </a:xfrm>
+          <a:prstGeom prst="rect">
+            <a:avLst/>
+          </a:prstGeom>
+          <a:effectLst>
+            <a:glow rad="101600">
+              <a:schemeClr val="accent1">
+                <a:satMod val="175000"/>
+                <a:alpha val="40000"/>
+              </a:schemeClr>
+            </a:glow>
+          </a:effectLst>
+        </p:spPr>
+      </p:pic>
+      <p:pic>
+        <p:nvPicPr>
+          <p:cNvPr id="5" name="Picture 4">
+            <a:extLst>
+              <a:ext uri="{FF2B5EF4-FFF2-40B4-BE49-F238E27FC236}">
+                <a16:creationId xmlns:a16="http://schemas.microsoft.com/office/drawing/2014/main" id="{9E8A5667-4094-43E5-AC7F-0678145C4FAB}"/>
+              </a:ext>
+            </a:extLst>
+          </p:cNvPr>
+          <p:cNvPicPr>
+            <a:picLocks noChangeAspect="1"/>
+          </p:cNvPicPr>
+          <p:nvPr/>
+        </p:nvPicPr>
+        <p:blipFill>
+          <a:blip r:embed="rId7"/>
+          <a:stretch>
+            <a:fillRect/>
+          </a:stretch>
+        </p:blipFill>
+        <p:spPr>
+          <a:xfrm>
+            <a:off x="914829" y="5733564"/>
+            <a:ext cx="580723" cy="437922"/>
+          </a:xfrm>
+          <a:prstGeom prst="rect">
+            <a:avLst/>
+          </a:prstGeom>
+          <a:effectLst>
+            <a:glow rad="101600">
+              <a:schemeClr val="accent1">
+                <a:satMod val="175000"/>
+                <a:alpha val="40000"/>
+              </a:schemeClr>
+            </a:glow>
+          </a:effectLst>
+        </p:spPr>
+      </p:pic>
+      <p:pic>
+        <p:nvPicPr>
+          <p:cNvPr id="4" name="Picture 3">
+            <a:extLst>
+              <a:ext uri="{FF2B5EF4-FFF2-40B4-BE49-F238E27FC236}">
+                <a16:creationId xmlns:a16="http://schemas.microsoft.com/office/drawing/2014/main" id="{2BBF9956-B305-4B68-99C4-EBD995700129}"/>
+              </a:ext>
+            </a:extLst>
+          </p:cNvPr>
+          <p:cNvPicPr>
+            <a:picLocks noChangeAspect="1"/>
+          </p:cNvPicPr>
+          <p:nvPr/>
+        </p:nvPicPr>
+        <p:blipFill>
+          <a:blip r:embed="rId8">
+            <a:extLst>
+              <a:ext uri="{28A0092B-C50C-407E-A947-70E740481C1C}">
+                <a14:useLocalDpi xmlns:a14="http://schemas.microsoft.com/office/drawing/2010/main" val="0"/>
+              </a:ext>
+            </a:extLst>
+          </a:blip>
+          <a:stretch>
+            <a:fillRect/>
+          </a:stretch>
+        </p:blipFill>
+        <p:spPr>
+          <a:xfrm>
+            <a:off x="867816" y="3824315"/>
+            <a:ext cx="647450" cy="647450"/>
+          </a:xfrm>
+          <a:prstGeom prst="rect">
+            <a:avLst/>
+          </a:prstGeom>
+          <a:effectLst>
+            <a:glow rad="101600">
+              <a:schemeClr val="accent1">
+                <a:satMod val="175000"/>
+                <a:alpha val="40000"/>
+              </a:schemeClr>
+            </a:glow>
+          </a:effectLst>
+        </p:spPr>
+      </p:pic>
+      <p:pic>
+        <p:nvPicPr>
+          <p:cNvPr id="14" name="Picture 13">
+            <a:extLst>
+              <a:ext uri="{FF2B5EF4-FFF2-40B4-BE49-F238E27FC236}">
+                <a16:creationId xmlns:a16="http://schemas.microsoft.com/office/drawing/2014/main" id="{52EE8015-690A-4E2A-9598-842677CFA4E4}"/>
+              </a:ext>
+            </a:extLst>
+          </p:cNvPr>
+          <p:cNvPicPr>
+            <a:picLocks noChangeAspect="1"/>
+          </p:cNvPicPr>
+          <p:nvPr/>
+        </p:nvPicPr>
+        <p:blipFill>
+          <a:blip r:embed="rId9">
+            <a:extLst>
+              <a:ext uri="{28A0092B-C50C-407E-A947-70E740481C1C}">
+                <a14:useLocalDpi xmlns:a14="http://schemas.microsoft.com/office/drawing/2010/main" val="0"/>
+              </a:ext>
+            </a:extLst>
+          </a:blip>
+          <a:stretch>
+            <a:fillRect/>
+          </a:stretch>
+        </p:blipFill>
+        <p:spPr>
+          <a:xfrm>
+            <a:off x="914163" y="4571702"/>
+            <a:ext cx="553423" cy="372959"/>
+          </a:xfrm>
+          <a:prstGeom prst="rect">
+            <a:avLst/>
+          </a:prstGeom>
+          <a:effectLst>
+            <a:glow rad="101600">
+              <a:schemeClr val="accent1">
+                <a:satMod val="175000"/>
+                <a:alpha val="40000"/>
+              </a:schemeClr>
+            </a:glow>
+          </a:effectLst>
+        </p:spPr>
+      </p:pic>
+      <p:pic>
+        <p:nvPicPr>
+          <p:cNvPr id="10" name="Picture 9">
+            <a:extLst>
+              <a:ext uri="{FF2B5EF4-FFF2-40B4-BE49-F238E27FC236}">
+                <a16:creationId xmlns:a16="http://schemas.microsoft.com/office/drawing/2014/main" id="{3D2A7882-0DD3-4AE3-84DE-4661368040BE}"/>
+              </a:ext>
+            </a:extLst>
+          </p:cNvPr>
+          <p:cNvPicPr>
+            <a:picLocks noChangeAspect="1"/>
+          </p:cNvPicPr>
+          <p:nvPr/>
+        </p:nvPicPr>
+        <p:blipFill>
+          <a:blip r:embed="rId10">
+            <a:extLst>
+              <a:ext uri="{28A0092B-C50C-407E-A947-70E740481C1C}">
+                <a14:useLocalDpi xmlns:a14="http://schemas.microsoft.com/office/drawing/2010/main" val="0"/>
+              </a:ext>
+            </a:extLst>
+          </a:blip>
+          <a:stretch>
+            <a:fillRect/>
+          </a:stretch>
+        </p:blipFill>
+        <p:spPr>
+          <a:xfrm>
+            <a:off x="7845007" y="1470312"/>
+            <a:ext cx="3410602" cy="4263251"/>
+          </a:xfrm>
+          <a:prstGeom prst="rect">
+            <a:avLst/>
+          </a:prstGeom>
+        </p:spPr>
+      </p:pic>
+    </p:spTree>
+    <p:extLst>
+      <p:ext uri="{BB962C8B-B14F-4D97-AF65-F5344CB8AC3E}">
+        <p14:creationId xmlns:p14="http://schemas.microsoft.com/office/powerpoint/2010/main" val="2173241070"/>
+      </p:ext>
+    </p:extLst>
+  </p:cSld>
+  <p:clrMapOvr>
+    <a:masterClrMapping/>
+  </p:clrMapOvr>
+  <mc:AlternateContent xmlns:mc="http://schemas.openxmlformats.org/markup-compatibility/2006" xmlns:p14="http://schemas.microsoft.com/office/powerpoint/2010/main">
+    <mc:Choice Requires="p14">
+      <p:transition spd="med" p14:dur="700">
+        <p:fade/>
+      </p:transition>
+    </mc:Choice>
+    <mc:Fallback xmlns="">
+      <p:transition spd="med">
+        <p:fade/>
+      </p:transition>
+    </mc:Fallback>
+  </mc:AlternateContent>
+</p:sld>
+</file>
+
+<file path=ppt/slides/slide3.xml><?xml version="1.0" encoding="utf-8"?>
 <p:sld xmlns:a="http://schemas.openxmlformats.org/drawingml/2006/main" xmlns:r="http://schemas.openxmlformats.org/officeDocument/2006/relationships" xmlns:p="http://schemas.openxmlformats.org/presentationml/2006/main">
   <p:cSld>
     <p:spTree>
@@ -11777,123 +12933,6 @@
 </p:sld>
 </file>
 
-<file path=ppt/slides/slide3.xml><?xml version="1.0" encoding="utf-8"?>
-<p:sld xmlns:a="http://schemas.openxmlformats.org/drawingml/2006/main" xmlns:r="http://schemas.openxmlformats.org/officeDocument/2006/relationships" xmlns:p="http://schemas.openxmlformats.org/presentationml/2006/main">
-  <p:cSld>
-    <p:spTree>
-      <p:nvGrpSpPr>
-        <p:cNvPr id="1" name=""/>
-        <p:cNvGrpSpPr/>
-        <p:nvPr/>
-      </p:nvGrpSpPr>
-      <p:grpSpPr>
-        <a:xfrm>
-          <a:off x="0" y="0"/>
-          <a:ext cx="0" cy="0"/>
-          <a:chOff x="0" y="0"/>
-          <a:chExt cx="0" cy="0"/>
-        </a:xfrm>
-      </p:grpSpPr>
-      <p:sp>
-        <p:nvSpPr>
-          <p:cNvPr id="13" name="Title 12"/>
-          <p:cNvSpPr>
-            <a:spLocks noGrp="1"/>
-          </p:cNvSpPr>
-          <p:nvPr>
-            <p:ph type="title"/>
-          </p:nvPr>
-        </p:nvSpPr>
-        <p:spPr/>
-        <p:txBody>
-          <a:bodyPr/>
-          <a:lstStyle/>
-          <a:p>
-            <a:r>
-              <a:rPr lang="en-US" dirty="0"/>
-              <a:t>What is XrmToolBox?</a:t>
-            </a:r>
-          </a:p>
-        </p:txBody>
-      </p:sp>
-      <p:sp>
-        <p:nvSpPr>
-          <p:cNvPr id="14" name="Content Placeholder 13"/>
-          <p:cNvSpPr>
-            <a:spLocks noGrp="1"/>
-          </p:cNvSpPr>
-          <p:nvPr>
-            <p:ph idx="1"/>
-          </p:nvPr>
-        </p:nvSpPr>
-        <p:spPr/>
-        <p:txBody>
-          <a:bodyPr>
-            <a:normAutofit/>
-          </a:bodyPr>
-          <a:lstStyle/>
-          <a:p>
-            <a:r>
-              <a:rPr lang="en-US" i="1" dirty="0"/>
-              <a:t>“XrmToolBox is a Windows application that connects to Microsoft Dynamics CRM, providing tools to ease customization, configuration and operation tasks. It is shipped with more than 30 plugins to make administration, customization or configuration tasks easier and less time consuming.”</a:t>
-            </a:r>
-            <a:r>
-              <a:rPr lang="en-US" dirty="0"/>
-              <a:t> – </a:t>
-            </a:r>
-            <a:r>
-              <a:rPr lang="en-US" dirty="0">
-                <a:hlinkClick r:id="rId2"/>
-              </a:rPr>
-              <a:t>https://www.xrmtoolbox.com/</a:t>
-            </a:r>
-            <a:endParaRPr lang="en-US" dirty="0"/>
-          </a:p>
-          <a:p>
-            <a:r>
-              <a:rPr lang="en-US" dirty="0"/>
-              <a:t>“If you are not working with XrmToolBox, you are just working too hard.” - Jonas Rapp, 2018</a:t>
-            </a:r>
-          </a:p>
-          <a:p>
-            <a:r>
-              <a:rPr lang="en-US" dirty="0"/>
-              <a:t>Variety of Tool uses: Security, User Administration, or assisting in Developer tasks</a:t>
-            </a:r>
-          </a:p>
-          <a:p>
-            <a:r>
-              <a:rPr lang="en-US" dirty="0"/>
-              <a:t>Open Source – Anyone can download and contribute their own Tool</a:t>
-            </a:r>
-          </a:p>
-        </p:txBody>
-      </p:sp>
-    </p:spTree>
-    <p:extLst>
-      <p:ext uri="{BB962C8B-B14F-4D97-AF65-F5344CB8AC3E}">
-        <p14:creationId xmlns:p14="http://schemas.microsoft.com/office/powerpoint/2010/main" val="1189043099"/>
-      </p:ext>
-    </p:extLst>
-  </p:cSld>
-  <p:clrMapOvr>
-    <a:masterClrMapping/>
-  </p:clrMapOvr>
-  <mc:AlternateContent xmlns:mc="http://schemas.openxmlformats.org/markup-compatibility/2006" xmlns:p14="http://schemas.microsoft.com/office/powerpoint/2010/main">
-    <mc:Choice Requires="p14">
-      <p:transition spd="med" p14:dur="700">
-        <p:fade/>
-      </p:transition>
-    </mc:Choice>
-    <mc:Fallback xmlns="">
-      <p:transition spd="med">
-        <p:fade/>
-      </p:transition>
-    </mc:Fallback>
-  </mc:AlternateContent>
-</p:sld>
-</file>
-
 <file path=ppt/slides/slide4.xml><?xml version="1.0" encoding="utf-8"?>
 <p:sld xmlns:a="http://schemas.openxmlformats.org/drawingml/2006/main" xmlns:r="http://schemas.openxmlformats.org/officeDocument/2006/relationships" xmlns:p="http://schemas.openxmlformats.org/presentationml/2006/main">
   <p:cSld>
@@ -11928,7 +12967,7 @@
           <a:p>
             <a:r>
               <a:rPr lang="en-US" dirty="0"/>
-              <a:t>Who uses XrmToolBox?</a:t>
+              <a:t>What is XrmToolBox?</a:t>
             </a:r>
           </a:p>
         </p:txBody>
@@ -11951,26 +12990,37 @@
           <a:lstStyle/>
           <a:p>
             <a:r>
+              <a:rPr lang="en-US" i="1" dirty="0"/>
+              <a:t>“XrmToolBox is a Windows application that connects to Microsoft Dynamics CRM, providing tools to ease customization, configuration and operation tasks. It is shipped with more than 30 plugins to make administration, customization or configuration tasks easier and less time consuming.”</a:t>
+            </a:r>
+            <a:r>
               <a:rPr lang="en-US" dirty="0"/>
-              <a:t>Wide variety of tools == wide user audience</a:t>
-            </a:r>
+              <a:t> – </a:t>
+            </a:r>
+            <a:r>
+              <a:rPr lang="en-US" dirty="0">
+                <a:hlinkClick r:id="rId2"/>
+              </a:rPr>
+              <a:t>https://www.xrmtoolbox.com/</a:t>
+            </a:r>
+            <a:endParaRPr lang="en-US" dirty="0"/>
           </a:p>
           <a:p>
             <a:r>
               <a:rPr lang="en-US" dirty="0"/>
-              <a:t>Business Analyst – Tools for reviewing and documenting CRM schema information</a:t>
+              <a:t>“If you are not working with XrmToolBox, you are just working too hard.” - Jonas Rapp, 2018</a:t>
             </a:r>
           </a:p>
           <a:p>
             <a:r>
               <a:rPr lang="en-US" dirty="0"/>
-              <a:t>Developers – Tools for creating and configuring system components or generating code to extend the platform</a:t>
+              <a:t>Variety of Tool uses: Security, User Administration, or assisting in Developer tasks</a:t>
             </a:r>
           </a:p>
           <a:p>
             <a:r>
               <a:rPr lang="en-US" dirty="0"/>
-              <a:t>System Administrators – Tools for Dynamics data management and performing system diagnostics</a:t>
+              <a:t>Open Source – Anyone can download and contribute their own Tool</a:t>
             </a:r>
           </a:p>
         </p:txBody>
@@ -11978,7 +13028,7 @@
     </p:spTree>
     <p:extLst>
       <p:ext uri="{BB962C8B-B14F-4D97-AF65-F5344CB8AC3E}">
-        <p14:creationId xmlns:p14="http://schemas.microsoft.com/office/powerpoint/2010/main" val="2139132589"/>
+        <p14:creationId xmlns:p14="http://schemas.microsoft.com/office/powerpoint/2010/main" val="1189043099"/>
       </p:ext>
     </p:extLst>
   </p:cSld>
@@ -12019,13 +13069,7 @@
       </p:grpSpPr>
       <p:sp>
         <p:nvSpPr>
-          <p:cNvPr id="12" name="Title 11">
-            <a:extLst>
-              <a:ext uri="{FF2B5EF4-FFF2-40B4-BE49-F238E27FC236}">
-                <a16:creationId xmlns:a16="http://schemas.microsoft.com/office/drawing/2014/main" id="{B8365B61-04A7-41D3-933C-8457C243D4CD}"/>
-              </a:ext>
-            </a:extLst>
-          </p:cNvPr>
+          <p:cNvPr id="13" name="Title 12"/>
           <p:cNvSpPr>
             <a:spLocks noGrp="1"/>
           </p:cNvSpPr>
@@ -12033,45 +13077,29 @@
             <p:ph type="title"/>
           </p:nvPr>
         </p:nvSpPr>
-        <p:spPr>
-          <a:xfrm>
-            <a:off x="1055604" y="1905000"/>
-            <a:ext cx="3596607" cy="1066800"/>
-          </a:xfrm>
-        </p:spPr>
+        <p:spPr/>
         <p:txBody>
           <a:bodyPr/>
           <a:lstStyle/>
           <a:p>
             <a:r>
               <a:rPr lang="en-US" dirty="0"/>
-              <a:t>Business Analyst Tool</a:t>
+              <a:t>Who uses XrmToolBox?</a:t>
             </a:r>
           </a:p>
         </p:txBody>
       </p:sp>
       <p:sp>
         <p:nvSpPr>
-          <p:cNvPr id="14" name="Text Placeholder 13">
-            <a:extLst>
-              <a:ext uri="{FF2B5EF4-FFF2-40B4-BE49-F238E27FC236}">
-                <a16:creationId xmlns:a16="http://schemas.microsoft.com/office/drawing/2014/main" id="{BB5070BC-C4ED-41E0-B25B-2E4D76368263}"/>
-              </a:ext>
-            </a:extLst>
-          </p:cNvPr>
+          <p:cNvPr id="14" name="Content Placeholder 13"/>
           <p:cNvSpPr>
             <a:spLocks noGrp="1"/>
           </p:cNvSpPr>
           <p:nvPr>
-            <p:ph type="body" sz="half" idx="2"/>
+            <p:ph idx="1"/>
           </p:nvPr>
         </p:nvSpPr>
-        <p:spPr>
-          <a:xfrm>
-            <a:off x="1065213" y="2971800"/>
-            <a:ext cx="3581399" cy="3048000"/>
-          </a:xfrm>
-        </p:spPr>
+        <p:spPr/>
         <p:txBody>
           <a:bodyPr>
             <a:normAutofit/>
@@ -12080,77 +13108,33 @@
           <a:p>
             <a:r>
               <a:rPr lang="en-US" dirty="0"/>
-              <a:t>Metadata Document Generator</a:t>
-            </a:r>
-          </a:p>
-          <a:p>
-            <a:pPr marL="285750" indent="-285750">
-              <a:buFont typeface="Arial" panose="020B0604020202020204" pitchFamily="34" charset="0"/>
-              <a:buChar char="•"/>
-            </a:pPr>
+              <a:t>Wide variety of tools == wide user audience</a:t>
+            </a:r>
+          </a:p>
+          <a:p>
             <a:r>
               <a:rPr lang="en-US" dirty="0"/>
-              <a:t>Export system schema information to Excel or Word</a:t>
-            </a:r>
-          </a:p>
-          <a:p>
-            <a:pPr marL="285750" indent="-285750">
-              <a:buFont typeface="Arial" panose="020B0604020202020204" pitchFamily="34" charset="0"/>
-              <a:buChar char="•"/>
-            </a:pPr>
+              <a:t>Business Analyst – Tools for reviewing and documenting CRM schema information</a:t>
+            </a:r>
+          </a:p>
+          <a:p>
             <a:r>
               <a:rPr lang="en-US" dirty="0"/>
-              <a:t>Filter on only selected Publishers, Entities, and/or Attributes</a:t>
-            </a:r>
-          </a:p>
-          <a:p>
-            <a:pPr marL="285750" indent="-285750">
-              <a:buFont typeface="Arial" panose="020B0604020202020204" pitchFamily="34" charset="0"/>
-              <a:buChar char="•"/>
-            </a:pPr>
+              <a:t>Developers – Tools for creating and configuring system components or generating code to extend the platform</a:t>
+            </a:r>
+          </a:p>
+          <a:p>
             <a:r>
               <a:rPr lang="en-US" dirty="0"/>
-              <a:t>Additional options for extended Entity metadata</a:t>
+              <a:t>System Administrators – Tools for Dynamics data management and performing system diagnostics</a:t>
             </a:r>
           </a:p>
         </p:txBody>
       </p:sp>
-      <p:pic>
-        <p:nvPicPr>
-          <p:cNvPr id="15" name="Content Placeholder 14">
-            <a:extLst>
-              <a:ext uri="{FF2B5EF4-FFF2-40B4-BE49-F238E27FC236}">
-                <a16:creationId xmlns:a16="http://schemas.microsoft.com/office/drawing/2014/main" id="{753D12DA-17EE-4735-9B10-DD60055F80F8}"/>
-              </a:ext>
-            </a:extLst>
-          </p:cNvPr>
-          <p:cNvPicPr>
-            <a:picLocks noGrp="1" noChangeAspect="1"/>
-          </p:cNvPicPr>
-          <p:nvPr>
-            <p:ph idx="1"/>
-          </p:nvPr>
-        </p:nvPicPr>
-        <p:blipFill>
-          <a:blip r:embed="rId2"/>
-          <a:stretch>
-            <a:fillRect/>
-          </a:stretch>
-        </p:blipFill>
-        <p:spPr>
-          <a:xfrm>
-            <a:off x="4951413" y="969277"/>
-            <a:ext cx="6400800" cy="4767045"/>
-          </a:xfrm>
-          <a:prstGeom prst="rect">
-            <a:avLst/>
-          </a:prstGeom>
-        </p:spPr>
-      </p:pic>
     </p:spTree>
     <p:extLst>
       <p:ext uri="{BB962C8B-B14F-4D97-AF65-F5344CB8AC3E}">
-        <p14:creationId xmlns:p14="http://schemas.microsoft.com/office/powerpoint/2010/main" val="3374374701"/>
+        <p14:creationId xmlns:p14="http://schemas.microsoft.com/office/powerpoint/2010/main" val="2139132589"/>
       </p:ext>
     </p:extLst>
   </p:cSld>
@@ -12217,7 +13201,7 @@
           <a:p>
             <a:r>
               <a:rPr lang="en-US" dirty="0"/>
-              <a:t>Developer Tool</a:t>
+              <a:t>Business Analyst Tool</a:t>
             </a:r>
           </a:p>
         </p:txBody>
@@ -12252,7 +13236,7 @@
           <a:p>
             <a:r>
               <a:rPr lang="en-US" dirty="0"/>
-              <a:t>FetchXml Builder</a:t>
+              <a:t>Metadata Document Generator</a:t>
             </a:r>
           </a:p>
           <a:p>
@@ -12262,7 +13246,7 @@
             </a:pPr>
             <a:r>
               <a:rPr lang="en-US" dirty="0"/>
-              <a:t>Visual tool to build and test FetchXml</a:t>
+              <a:t>Export system schema information to Excel or Word</a:t>
             </a:r>
           </a:p>
           <a:p>
@@ -12272,7 +13256,7 @@
             </a:pPr>
             <a:r>
               <a:rPr lang="en-US" dirty="0"/>
-              <a:t>Open saved Xml, system and user views</a:t>
+              <a:t>Filter on only selected Publishers, Entities, and/or Attributes</a:t>
             </a:r>
           </a:p>
           <a:p>
@@ -12282,27 +13266,17 @@
             </a:pPr>
             <a:r>
               <a:rPr lang="en-US" dirty="0"/>
-              <a:t>View Fetch results as a grid, JSON, or raw Xml</a:t>
-            </a:r>
-          </a:p>
-          <a:p>
-            <a:pPr marL="285750" indent="-285750">
-              <a:buFont typeface="Arial" panose="020B0604020202020204" pitchFamily="34" charset="0"/>
-              <a:buChar char="•"/>
-            </a:pPr>
-            <a:r>
-              <a:rPr lang="en-US" dirty="0"/>
-              <a:t>Generate C# or JavaScript code from FetchXml</a:t>
+              <a:t>Additional options for extended Entity metadata</a:t>
             </a:r>
           </a:p>
         </p:txBody>
       </p:sp>
       <p:pic>
         <p:nvPicPr>
-          <p:cNvPr id="8" name="Content Placeholder 7">
+          <p:cNvPr id="4" name="Content Placeholder 3">
             <a:extLst>
               <a:ext uri="{FF2B5EF4-FFF2-40B4-BE49-F238E27FC236}">
-                <a16:creationId xmlns:a16="http://schemas.microsoft.com/office/drawing/2014/main" id="{066D3287-588A-4D82-A429-47AEED9138E2}"/>
+                <a16:creationId xmlns:a16="http://schemas.microsoft.com/office/drawing/2014/main" id="{E6823870-6FE4-41F5-9665-965B15CC2C74}"/>
               </a:ext>
             </a:extLst>
           </p:cNvPr>
@@ -12314,25 +13288,32 @@
           </p:nvPr>
         </p:nvPicPr>
         <p:blipFill>
-          <a:blip r:embed="rId2"/>
+          <a:blip r:embed="rId3"/>
           <a:stretch>
             <a:fillRect/>
           </a:stretch>
         </p:blipFill>
         <p:spPr>
           <a:xfrm>
-            <a:off x="4951413" y="1200531"/>
-            <a:ext cx="6400800" cy="4304538"/>
+            <a:off x="5063492" y="685800"/>
+            <a:ext cx="6176641" cy="5334000"/>
           </a:xfrm>
           <a:prstGeom prst="rect">
             <a:avLst/>
           </a:prstGeom>
+          <a:effectLst>
+            <a:glow rad="127000">
+              <a:schemeClr val="tx1">
+                <a:alpha val="50000"/>
+              </a:schemeClr>
+            </a:glow>
+          </a:effectLst>
         </p:spPr>
       </p:pic>
     </p:spTree>
     <p:extLst>
       <p:ext uri="{BB962C8B-B14F-4D97-AF65-F5344CB8AC3E}">
-        <p14:creationId xmlns:p14="http://schemas.microsoft.com/office/powerpoint/2010/main" val="463631353"/>
+        <p14:creationId xmlns:p14="http://schemas.microsoft.com/office/powerpoint/2010/main" val="3374374701"/>
       </p:ext>
     </p:extLst>
   </p:cSld>
@@ -12399,6 +13380,200 @@
           <a:p>
             <a:r>
               <a:rPr lang="en-US" dirty="0"/>
+              <a:t>Developer Tool</a:t>
+            </a:r>
+          </a:p>
+        </p:txBody>
+      </p:sp>
+      <p:sp>
+        <p:nvSpPr>
+          <p:cNvPr id="14" name="Text Placeholder 13">
+            <a:extLst>
+              <a:ext uri="{FF2B5EF4-FFF2-40B4-BE49-F238E27FC236}">
+                <a16:creationId xmlns:a16="http://schemas.microsoft.com/office/drawing/2014/main" id="{BB5070BC-C4ED-41E0-B25B-2E4D76368263}"/>
+              </a:ext>
+            </a:extLst>
+          </p:cNvPr>
+          <p:cNvSpPr>
+            <a:spLocks noGrp="1"/>
+          </p:cNvSpPr>
+          <p:nvPr>
+            <p:ph type="body" sz="half" idx="2"/>
+          </p:nvPr>
+        </p:nvSpPr>
+        <p:spPr>
+          <a:xfrm>
+            <a:off x="1065213" y="2971800"/>
+            <a:ext cx="3581399" cy="3048000"/>
+          </a:xfrm>
+        </p:spPr>
+        <p:txBody>
+          <a:bodyPr>
+            <a:normAutofit/>
+          </a:bodyPr>
+          <a:lstStyle/>
+          <a:p>
+            <a:r>
+              <a:rPr lang="en-US" dirty="0"/>
+              <a:t>FetchXml Builder</a:t>
+            </a:r>
+          </a:p>
+          <a:p>
+            <a:pPr marL="285750" indent="-285750">
+              <a:buFont typeface="Arial" panose="020B0604020202020204" pitchFamily="34" charset="0"/>
+              <a:buChar char="•"/>
+            </a:pPr>
+            <a:r>
+              <a:rPr lang="en-US" dirty="0"/>
+              <a:t>Visual tool to build and test FetchXml</a:t>
+            </a:r>
+          </a:p>
+          <a:p>
+            <a:pPr marL="285750" indent="-285750">
+              <a:buFont typeface="Arial" panose="020B0604020202020204" pitchFamily="34" charset="0"/>
+              <a:buChar char="•"/>
+            </a:pPr>
+            <a:r>
+              <a:rPr lang="en-US" dirty="0"/>
+              <a:t>View Fetch results as a grid, JSON, or raw Xml</a:t>
+            </a:r>
+          </a:p>
+          <a:p>
+            <a:pPr marL="285750" indent="-285750">
+              <a:buFont typeface="Arial" panose="020B0604020202020204" pitchFamily="34" charset="0"/>
+              <a:buChar char="•"/>
+            </a:pPr>
+            <a:r>
+              <a:rPr lang="en-US" dirty="0"/>
+              <a:t>Generate C# or JavaScript code from </a:t>
+            </a:r>
+            <a:r>
+              <a:rPr lang="en-US" dirty="0" err="1"/>
+              <a:t>FetchXml</a:t>
+            </a:r>
+            <a:endParaRPr lang="en-US" dirty="0"/>
+          </a:p>
+          <a:p>
+            <a:pPr marL="285750" indent="-285750">
+              <a:buFont typeface="Arial" panose="020B0604020202020204" pitchFamily="34" charset="0"/>
+              <a:buChar char="•"/>
+            </a:pPr>
+            <a:r>
+              <a:rPr lang="en-US" dirty="0"/>
+              <a:t>Generate snippets for Power Automate Flows</a:t>
+            </a:r>
+          </a:p>
+        </p:txBody>
+      </p:sp>
+      <p:pic>
+        <p:nvPicPr>
+          <p:cNvPr id="5" name="Content Placeholder 4">
+            <a:extLst>
+              <a:ext uri="{FF2B5EF4-FFF2-40B4-BE49-F238E27FC236}">
+                <a16:creationId xmlns:a16="http://schemas.microsoft.com/office/drawing/2014/main" id="{FF981C9A-0E23-4DC2-B4AE-D078C106B26E}"/>
+              </a:ext>
+            </a:extLst>
+          </p:cNvPr>
+          <p:cNvPicPr>
+            <a:picLocks noGrp="1" noChangeAspect="1"/>
+          </p:cNvPicPr>
+          <p:nvPr>
+            <p:ph idx="1"/>
+          </p:nvPr>
+        </p:nvPicPr>
+        <p:blipFill>
+          <a:blip r:embed="rId3"/>
+          <a:stretch>
+            <a:fillRect/>
+          </a:stretch>
+        </p:blipFill>
+        <p:spPr>
+          <a:xfrm>
+            <a:off x="4951413" y="910269"/>
+            <a:ext cx="6400800" cy="4885061"/>
+          </a:xfrm>
+          <a:prstGeom prst="rect">
+            <a:avLst/>
+          </a:prstGeom>
+          <a:effectLst>
+            <a:glow rad="127000">
+              <a:schemeClr val="tx1">
+                <a:alpha val="50000"/>
+              </a:schemeClr>
+            </a:glow>
+          </a:effectLst>
+        </p:spPr>
+      </p:pic>
+    </p:spTree>
+    <p:extLst>
+      <p:ext uri="{BB962C8B-B14F-4D97-AF65-F5344CB8AC3E}">
+        <p14:creationId xmlns:p14="http://schemas.microsoft.com/office/powerpoint/2010/main" val="463631353"/>
+      </p:ext>
+    </p:extLst>
+  </p:cSld>
+  <p:clrMapOvr>
+    <a:masterClrMapping/>
+  </p:clrMapOvr>
+  <mc:AlternateContent xmlns:mc="http://schemas.openxmlformats.org/markup-compatibility/2006" xmlns:p14="http://schemas.microsoft.com/office/powerpoint/2010/main">
+    <mc:Choice Requires="p14">
+      <p:transition spd="med" p14:dur="700">
+        <p:fade/>
+      </p:transition>
+    </mc:Choice>
+    <mc:Fallback xmlns="">
+      <p:transition spd="med">
+        <p:fade/>
+      </p:transition>
+    </mc:Fallback>
+  </mc:AlternateContent>
+</p:sld>
+</file>
+
+<file path=ppt/slides/slide8.xml><?xml version="1.0" encoding="utf-8"?>
+<p:sld xmlns:a="http://schemas.openxmlformats.org/drawingml/2006/main" xmlns:r="http://schemas.openxmlformats.org/officeDocument/2006/relationships" xmlns:p="http://schemas.openxmlformats.org/presentationml/2006/main">
+  <p:cSld>
+    <p:spTree>
+      <p:nvGrpSpPr>
+        <p:cNvPr id="1" name=""/>
+        <p:cNvGrpSpPr/>
+        <p:nvPr/>
+      </p:nvGrpSpPr>
+      <p:grpSpPr>
+        <a:xfrm>
+          <a:off x="0" y="0"/>
+          <a:ext cx="0" cy="0"/>
+          <a:chOff x="0" y="0"/>
+          <a:chExt cx="0" cy="0"/>
+        </a:xfrm>
+      </p:grpSpPr>
+      <p:sp>
+        <p:nvSpPr>
+          <p:cNvPr id="12" name="Title 11">
+            <a:extLst>
+              <a:ext uri="{FF2B5EF4-FFF2-40B4-BE49-F238E27FC236}">
+                <a16:creationId xmlns:a16="http://schemas.microsoft.com/office/drawing/2014/main" id="{B8365B61-04A7-41D3-933C-8457C243D4CD}"/>
+              </a:ext>
+            </a:extLst>
+          </p:cNvPr>
+          <p:cNvSpPr>
+            <a:spLocks noGrp="1"/>
+          </p:cNvSpPr>
+          <p:nvPr>
+            <p:ph type="title"/>
+          </p:nvPr>
+        </p:nvSpPr>
+        <p:spPr>
+          <a:xfrm>
+            <a:off x="1055604" y="1905000"/>
+            <a:ext cx="3596607" cy="1066800"/>
+          </a:xfrm>
+        </p:spPr>
+        <p:txBody>
+          <a:bodyPr/>
+          <a:lstStyle/>
+          <a:p>
+            <a:r>
+              <a:rPr lang="en-US" dirty="0"/>
               <a:t>System Admin Tool</a:t>
             </a:r>
           </a:p>
@@ -12499,6 +13674,13 @@
           <a:prstGeom prst="rect">
             <a:avLst/>
           </a:prstGeom>
+          <a:effectLst>
+            <a:glow rad="127000">
+              <a:schemeClr val="tx1">
+                <a:alpha val="50000"/>
+              </a:schemeClr>
+            </a:glow>
+          </a:effectLst>
         </p:spPr>
       </p:pic>
     </p:spTree>
@@ -12526,7 +13708,7 @@
 </p:sld>
 </file>
 
-<file path=ppt/slides/slide8.xml><?xml version="1.0" encoding="utf-8"?>
+<file path=ppt/slides/slide9.xml><?xml version="1.0" encoding="utf-8"?>
 <p:sld xmlns:a="http://schemas.openxmlformats.org/drawingml/2006/main" xmlns:r="http://schemas.openxmlformats.org/officeDocument/2006/relationships" xmlns:p="http://schemas.openxmlformats.org/presentationml/2006/main">
   <p:cSld>
     <p:spTree>
@@ -12608,10 +13790,10 @@
       </p:sp>
       <p:pic>
         <p:nvPicPr>
-          <p:cNvPr id="7" name="Picture 6">
+          <p:cNvPr id="5" name="Picture 4">
             <a:extLst>
               <a:ext uri="{FF2B5EF4-FFF2-40B4-BE49-F238E27FC236}">
-                <a16:creationId xmlns:a16="http://schemas.microsoft.com/office/drawing/2014/main" id="{A920B217-ABD1-41A0-9D27-1A7E6F456199}"/>
+                <a16:creationId xmlns:a16="http://schemas.microsoft.com/office/drawing/2014/main" id="{BDCAA615-F94B-4BEF-9F67-3194ED1EC03C}"/>
               </a:ext>
             </a:extLst>
           </p:cNvPr>
@@ -12621,21 +13803,15 @@
           <p:nvPr/>
         </p:nvPicPr>
         <p:blipFill>
-          <a:blip r:embed="rId2">
-            <a:extLst>
-              <a:ext uri="{28A0092B-C50C-407E-A947-70E740481C1C}">
-                <a14:useLocalDpi xmlns:a14="http://schemas.microsoft.com/office/drawing/2010/main" val="0"/>
-              </a:ext>
-            </a:extLst>
-          </a:blip>
+          <a:blip r:embed="rId2"/>
           <a:stretch>
             <a:fillRect/>
           </a:stretch>
         </p:blipFill>
         <p:spPr>
           <a:xfrm>
-            <a:off x="3421583" y="914400"/>
-            <a:ext cx="5345657" cy="3148636"/>
+            <a:off x="3560762" y="642048"/>
+            <a:ext cx="5067300" cy="3745104"/>
           </a:xfrm>
           <a:prstGeom prst="rect">
             <a:avLst/>
@@ -12653,163 +13829,6 @@
     <p:extLst>
       <p:ext uri="{BB962C8B-B14F-4D97-AF65-F5344CB8AC3E}">
         <p14:creationId xmlns:p14="http://schemas.microsoft.com/office/powerpoint/2010/main" val="235588396"/>
-      </p:ext>
-    </p:extLst>
-  </p:cSld>
-  <p:clrMapOvr>
-    <a:masterClrMapping/>
-  </p:clrMapOvr>
-  <mc:AlternateContent xmlns:mc="http://schemas.openxmlformats.org/markup-compatibility/2006" xmlns:p14="http://schemas.microsoft.com/office/powerpoint/2010/main">
-    <mc:Choice Requires="p14">
-      <p:transition spd="med" p14:dur="700">
-        <p:fade/>
-      </p:transition>
-    </mc:Choice>
-    <mc:Fallback xmlns="">
-      <p:transition spd="med">
-        <p:fade/>
-      </p:transition>
-    </mc:Fallback>
-  </mc:AlternateContent>
-</p:sld>
-</file>
-
-<file path=ppt/slides/slide9.xml><?xml version="1.0" encoding="utf-8"?>
-<p:sld xmlns:a="http://schemas.openxmlformats.org/drawingml/2006/main" xmlns:r="http://schemas.openxmlformats.org/officeDocument/2006/relationships" xmlns:p="http://schemas.openxmlformats.org/presentationml/2006/main">
-  <p:cSld>
-    <p:spTree>
-      <p:nvGrpSpPr>
-        <p:cNvPr id="1" name=""/>
-        <p:cNvGrpSpPr/>
-        <p:nvPr/>
-      </p:nvGrpSpPr>
-      <p:grpSpPr>
-        <a:xfrm>
-          <a:off x="0" y="0"/>
-          <a:ext cx="0" cy="0"/>
-          <a:chOff x="0" y="0"/>
-          <a:chExt cx="0" cy="0"/>
-        </a:xfrm>
-      </p:grpSpPr>
-      <p:sp>
-        <p:nvSpPr>
-          <p:cNvPr id="2" name="Title 1">
-            <a:extLst>
-              <a:ext uri="{FF2B5EF4-FFF2-40B4-BE49-F238E27FC236}">
-                <a16:creationId xmlns:a16="http://schemas.microsoft.com/office/drawing/2014/main" id="{0805044C-E202-462D-8D22-504DE21F5EFA}"/>
-              </a:ext>
-            </a:extLst>
-          </p:cNvPr>
-          <p:cNvSpPr>
-            <a:spLocks noGrp="1"/>
-          </p:cNvSpPr>
-          <p:nvPr>
-            <p:ph type="title"/>
-          </p:nvPr>
-        </p:nvSpPr>
-        <p:spPr/>
-        <p:txBody>
-          <a:bodyPr/>
-          <a:lstStyle/>
-          <a:p>
-            <a:r>
-              <a:rPr lang="en-US" dirty="0"/>
-              <a:t>What makes up an XrmToolBox Tool?</a:t>
-            </a:r>
-          </a:p>
-        </p:txBody>
-      </p:sp>
-      <p:sp>
-        <p:nvSpPr>
-          <p:cNvPr id="3" name="Content Placeholder 2">
-            <a:extLst>
-              <a:ext uri="{FF2B5EF4-FFF2-40B4-BE49-F238E27FC236}">
-                <a16:creationId xmlns:a16="http://schemas.microsoft.com/office/drawing/2014/main" id="{437F485B-D362-49E4-9850-E48170D8EF55}"/>
-              </a:ext>
-            </a:extLst>
-          </p:cNvPr>
-          <p:cNvSpPr>
-            <a:spLocks noGrp="1"/>
-          </p:cNvSpPr>
-          <p:nvPr>
-            <p:ph idx="1"/>
-          </p:nvPr>
-        </p:nvSpPr>
-        <p:spPr/>
-        <p:txBody>
-          <a:bodyPr>
-            <a:normAutofit fontScale="92500" lnSpcReduction="10000"/>
-          </a:bodyPr>
-          <a:lstStyle/>
-          <a:p>
-            <a:r>
-              <a:rPr lang="en-US" dirty="0"/>
-              <a:t>.NET component hosted by the XrmToolBox application that implements a programmatic contract</a:t>
-            </a:r>
-          </a:p>
-          <a:p>
-            <a:r>
-              <a:rPr lang="en-US" dirty="0"/>
-              <a:t>Plugin Class</a:t>
-            </a:r>
-          </a:p>
-          <a:p>
-            <a:pPr lvl="1"/>
-            <a:r>
-              <a:rPr lang="en-US" dirty="0"/>
-              <a:t>.NET class extending the PluginBase class</a:t>
-            </a:r>
-          </a:p>
-          <a:p>
-            <a:pPr lvl="1"/>
-            <a:r>
-              <a:rPr lang="en-US" dirty="0"/>
-              <a:t>Contains the public details behind an XrmToolBox Tool</a:t>
-            </a:r>
-          </a:p>
-          <a:p>
-            <a:pPr lvl="1"/>
-            <a:r>
-              <a:rPr lang="en-US" dirty="0"/>
-              <a:t>XrmToolBox uses this to load the Tool into the application</a:t>
-            </a:r>
-          </a:p>
-          <a:p>
-            <a:r>
-              <a:rPr lang="en-US" dirty="0"/>
-              <a:t>PluginControl Class</a:t>
-            </a:r>
-          </a:p>
-          <a:p>
-            <a:pPr lvl="1"/>
-            <a:r>
-              <a:rPr lang="en-US" dirty="0"/>
-              <a:t>.NET class extending PluginControlBase class</a:t>
-            </a:r>
-          </a:p>
-          <a:p>
-            <a:pPr lvl="1"/>
-            <a:r>
-              <a:rPr lang="en-US" dirty="0"/>
-              <a:t>Visual / UI elements and core logic for an XrmToolBox Tool</a:t>
-            </a:r>
-          </a:p>
-          <a:p>
-            <a:pPr lvl="1"/>
-            <a:r>
-              <a:rPr lang="en-US" dirty="0"/>
-              <a:t>This is the developer’s area for providing a visual interface for their Tool</a:t>
-            </a:r>
-          </a:p>
-          <a:p>
-            <a:endParaRPr lang="en-US" dirty="0"/>
-          </a:p>
-        </p:txBody>
-      </p:sp>
-    </p:spTree>
-    <p:extLst>
-      <p:ext uri="{BB962C8B-B14F-4D97-AF65-F5344CB8AC3E}">
-        <p14:creationId xmlns:p14="http://schemas.microsoft.com/office/powerpoint/2010/main" val="997576708"/>
       </p:ext>
     </p:extLst>
   </p:cSld>
